--- a/Előadás.pptx
+++ b/Előadás.pptx
@@ -11,7 +11,12 @@
     <p:sldId id="259" r:id="rId5"/>
     <p:sldId id="261" r:id="rId6"/>
     <p:sldId id="260" r:id="rId7"/>
-    <p:sldId id="262" r:id="rId8"/>
+    <p:sldId id="263" r:id="rId8"/>
+    <p:sldId id="262" r:id="rId9"/>
+    <p:sldId id="264" r:id="rId10"/>
+    <p:sldId id="265" r:id="rId11"/>
+    <p:sldId id="266" r:id="rId12"/>
+    <p:sldId id="267" r:id="rId13"/>
   </p:sldIdLst>
   <p:sldSz cx="12192000" cy="6858000"/>
   <p:notesSz cx="6858000" cy="9144000"/>
@@ -110,6 +115,11 @@
       </a:defRPr>
     </a:lvl9pPr>
   </p:defaultTextStyle>
+  <p:extLst>
+    <p:ext uri="{EFAFB233-063F-42B5-8137-9DF3F51BA10A}">
+      <p15:sldGuideLst xmlns:p15="http://schemas.microsoft.com/office/powerpoint/2012/main"/>
+    </p:ext>
+  </p:extLst>
 </p:presentation>
 </file>
 
@@ -158,7 +168,6 @@
               <a:rPr lang="hu-HU"/>
               <a:t>Mintacím szerkesztése</a:t>
             </a:r>
-            <a:endParaRPr lang="hu-HU"/>
           </a:p>
         </p:txBody>
       </p:sp>
@@ -223,7 +232,6 @@
               <a:rPr lang="hu-HU"/>
               <a:t>Kattintson ide az alcím mintájának szerkesztéséhez</a:t>
             </a:r>
-            <a:endParaRPr lang="hu-HU"/>
           </a:p>
         </p:txBody>
       </p:sp>
@@ -341,7 +349,6 @@
               <a:rPr lang="hu-HU"/>
               <a:t>Mintacím szerkesztése</a:t>
             </a:r>
-            <a:endParaRPr lang="hu-HU"/>
           </a:p>
         </p:txBody>
       </p:sp>
@@ -393,7 +400,6 @@
               <a:rPr lang="hu-HU"/>
               <a:t>Ötödik szint</a:t>
             </a:r>
-            <a:endParaRPr lang="hu-HU"/>
           </a:p>
         </p:txBody>
       </p:sp>
@@ -516,7 +522,6 @@
               <a:rPr lang="hu-HU"/>
               <a:t>Mintacím szerkesztése</a:t>
             </a:r>
-            <a:endParaRPr lang="hu-HU"/>
           </a:p>
         </p:txBody>
       </p:sp>
@@ -573,7 +578,6 @@
               <a:rPr lang="hu-HU"/>
               <a:t>Ötödik szint</a:t>
             </a:r>
-            <a:endParaRPr lang="hu-HU"/>
           </a:p>
         </p:txBody>
       </p:sp>
@@ -691,7 +695,6 @@
               <a:rPr lang="hu-HU"/>
               <a:t>Mintacím szerkesztése</a:t>
             </a:r>
-            <a:endParaRPr lang="hu-HU"/>
           </a:p>
         </p:txBody>
       </p:sp>
@@ -743,7 +746,6 @@
               <a:rPr lang="hu-HU"/>
               <a:t>Ötödik szint</a:t>
             </a:r>
-            <a:endParaRPr lang="hu-HU"/>
           </a:p>
         </p:txBody>
       </p:sp>
@@ -870,7 +872,6 @@
               <a:rPr lang="hu-HU"/>
               <a:t>Mintacím szerkesztése</a:t>
             </a:r>
-            <a:endParaRPr lang="hu-HU"/>
           </a:p>
         </p:txBody>
       </p:sp>
@@ -1107,7 +1108,6 @@
               <a:rPr lang="hu-HU"/>
               <a:t>Mintacím szerkesztése</a:t>
             </a:r>
-            <a:endParaRPr lang="hu-HU"/>
           </a:p>
         </p:txBody>
       </p:sp>
@@ -1164,7 +1164,6 @@
               <a:rPr lang="hu-HU"/>
               <a:t>Ötödik szint</a:t>
             </a:r>
-            <a:endParaRPr lang="hu-HU"/>
           </a:p>
         </p:txBody>
       </p:sp>
@@ -1221,7 +1220,6 @@
               <a:rPr lang="hu-HU"/>
               <a:t>Ötödik szint</a:t>
             </a:r>
-            <a:endParaRPr lang="hu-HU"/>
           </a:p>
         </p:txBody>
       </p:sp>
@@ -1344,7 +1342,6 @@
               <a:rPr lang="hu-HU"/>
               <a:t>Mintacím szerkesztése</a:t>
             </a:r>
-            <a:endParaRPr lang="hu-HU"/>
           </a:p>
         </p:txBody>
       </p:sp>
@@ -1466,7 +1463,6 @@
               <a:rPr lang="hu-HU"/>
               <a:t>Ötödik szint</a:t>
             </a:r>
-            <a:endParaRPr lang="hu-HU"/>
           </a:p>
         </p:txBody>
       </p:sp>
@@ -1588,7 +1584,6 @@
               <a:rPr lang="hu-HU"/>
               <a:t>Ötödik szint</a:t>
             </a:r>
-            <a:endParaRPr lang="hu-HU"/>
           </a:p>
         </p:txBody>
       </p:sp>
@@ -1706,7 +1701,6 @@
               <a:rPr lang="hu-HU"/>
               <a:t>Mintacím szerkesztése</a:t>
             </a:r>
-            <a:endParaRPr lang="hu-HU"/>
           </a:p>
         </p:txBody>
       </p:sp>
@@ -1928,7 +1922,6 @@
               <a:rPr lang="hu-HU"/>
               <a:t>Mintacím szerkesztése</a:t>
             </a:r>
-            <a:endParaRPr lang="hu-HU"/>
           </a:p>
         </p:txBody>
       </p:sp>
@@ -2013,7 +2006,6 @@
               <a:rPr lang="hu-HU"/>
               <a:t>Ötödik szint</a:t>
             </a:r>
-            <a:endParaRPr lang="hu-HU"/>
           </a:p>
         </p:txBody>
       </p:sp>
@@ -2205,7 +2197,6 @@
               <a:rPr lang="hu-HU"/>
               <a:t>Mintacím szerkesztése</a:t>
             </a:r>
-            <a:endParaRPr lang="hu-HU"/>
           </a:p>
         </p:txBody>
       </p:sp>
@@ -2464,7 +2455,6 @@
               <a:rPr lang="hu-HU"/>
               <a:t>Mintacím szerkesztése</a:t>
             </a:r>
-            <a:endParaRPr lang="hu-HU"/>
           </a:p>
         </p:txBody>
       </p:sp>
@@ -2526,7 +2516,6 @@
               <a:rPr lang="hu-HU"/>
               <a:t>Ötödik szint</a:t>
             </a:r>
-            <a:endParaRPr lang="hu-HU"/>
           </a:p>
         </p:txBody>
       </p:sp>
@@ -3108,6 +3097,460 @@
 </p:sld>
 </file>
 
+<file path=ppt/slides/slide10.xml><?xml version="1.0" encoding="utf-8"?>
+<p:sld xmlns:a="http://schemas.openxmlformats.org/drawingml/2006/main" xmlns:r="http://schemas.openxmlformats.org/officeDocument/2006/relationships" xmlns:p="http://schemas.openxmlformats.org/presentationml/2006/main">
+  <p:cSld>
+    <p:bg>
+      <p:bgPr>
+        <a:gradFill>
+          <a:gsLst>
+            <a:gs pos="0">
+              <a:schemeClr val="accent1">
+                <a:lumMod val="5000"/>
+                <a:lumOff val="95000"/>
+              </a:schemeClr>
+            </a:gs>
+            <a:gs pos="74000">
+              <a:schemeClr val="accent1">
+                <a:lumMod val="45000"/>
+                <a:lumOff val="55000"/>
+              </a:schemeClr>
+            </a:gs>
+            <a:gs pos="83000">
+              <a:schemeClr val="accent1">
+                <a:lumMod val="45000"/>
+                <a:lumOff val="55000"/>
+              </a:schemeClr>
+            </a:gs>
+            <a:gs pos="100000">
+              <a:schemeClr val="accent1">
+                <a:lumMod val="30000"/>
+                <a:lumOff val="70000"/>
+              </a:schemeClr>
+            </a:gs>
+          </a:gsLst>
+          <a:lin ang="5400000" scaled="1"/>
+        </a:gradFill>
+        <a:effectLst/>
+      </p:bgPr>
+    </p:bg>
+    <p:spTree>
+      <p:nvGrpSpPr>
+        <p:cNvPr id="1" name=""/>
+        <p:cNvGrpSpPr/>
+        <p:nvPr/>
+      </p:nvGrpSpPr>
+      <p:grpSpPr>
+        <a:xfrm>
+          <a:off x="0" y="0"/>
+          <a:ext cx="0" cy="0"/>
+          <a:chOff x="0" y="0"/>
+          <a:chExt cx="0" cy="0"/>
+        </a:xfrm>
+      </p:grpSpPr>
+      <p:sp>
+        <p:nvSpPr>
+          <p:cNvPr id="2" name="Cím 1"/>
+          <p:cNvSpPr>
+            <a:spLocks noGrp="1"/>
+          </p:cNvSpPr>
+          <p:nvPr>
+            <p:ph type="title"/>
+          </p:nvPr>
+        </p:nvSpPr>
+        <p:spPr/>
+        <p:txBody>
+          <a:bodyPr/>
+          <a:lstStyle/>
+          <a:p>
+            <a:r>
+              <a:rPr lang="hu-HU" dirty="0"/>
+              <a:t>Új képesség létrehozása</a:t>
+            </a:r>
+          </a:p>
+        </p:txBody>
+      </p:sp>
+      <p:sp>
+        <p:nvSpPr>
+          <p:cNvPr id="3" name="Tartalom helye 2"/>
+          <p:cNvSpPr>
+            <a:spLocks noGrp="1"/>
+          </p:cNvSpPr>
+          <p:nvPr>
+            <p:ph idx="1"/>
+          </p:nvPr>
+        </p:nvSpPr>
+        <p:spPr>
+          <a:noFill/>
+        </p:spPr>
+        <p:txBody>
+          <a:bodyPr>
+            <a:normAutofit/>
+          </a:bodyPr>
+          <a:lstStyle/>
+          <a:p>
+            <a:r>
+              <a:rPr lang="hu-HU" sz="2400" dirty="0" err="1"/>
+              <a:t>Player</a:t>
+            </a:r>
+            <a:r>
+              <a:rPr lang="hu-HU" sz="2400" dirty="0"/>
+              <a:t> </a:t>
+            </a:r>
+            <a:r>
+              <a:rPr lang="hu-HU" sz="2400" dirty="0" err="1"/>
+              <a:t>GameObject-hez</a:t>
+            </a:r>
+            <a:r>
+              <a:rPr lang="hu-HU" sz="2400" dirty="0"/>
+              <a:t> új script hozzáadása az </a:t>
+            </a:r>
+            <a:r>
+              <a:rPr lang="hu-HU" sz="2400" dirty="0" err="1"/>
+              <a:t>Ability-ból</a:t>
+            </a:r>
+            <a:r>
+              <a:rPr lang="hu-HU" sz="2400" dirty="0"/>
+              <a:t> származtatva</a:t>
+            </a:r>
+          </a:p>
+          <a:p>
+            <a:r>
+              <a:rPr lang="hu-HU" sz="2400" dirty="0"/>
+              <a:t>Az </a:t>
+            </a:r>
+            <a:r>
+              <a:rPr lang="hu-HU" sz="2400" dirty="0" err="1"/>
+              <a:t>Activate</a:t>
+            </a:r>
+            <a:r>
+              <a:rPr lang="hu-HU" sz="2400" dirty="0"/>
+              <a:t>() megírása</a:t>
+            </a:r>
+          </a:p>
+          <a:p>
+            <a:r>
+              <a:rPr lang="hu-HU" sz="2400" dirty="0"/>
+              <a:t>Az UI-n új ikon létrehozása</a:t>
+            </a:r>
+          </a:p>
+          <a:p>
+            <a:r>
+              <a:rPr lang="hu-HU" sz="2400" dirty="0"/>
+              <a:t>A képesség </a:t>
+            </a:r>
+            <a:r>
+              <a:rPr lang="hu-HU" sz="2400" dirty="0" err="1"/>
+              <a:t>GameObject</a:t>
+            </a:r>
+            <a:r>
+              <a:rPr lang="hu-HU" sz="2400" dirty="0"/>
+              <a:t> létrehozása</a:t>
+            </a:r>
+          </a:p>
+          <a:p>
+            <a:pPr lvl="1"/>
+            <a:r>
+              <a:rPr lang="hu-HU" sz="2000" dirty="0"/>
+              <a:t>Ez tartalmazza a képesség mechanikáját</a:t>
+            </a:r>
+          </a:p>
+          <a:p>
+            <a:pPr lvl="1"/>
+            <a:r>
+              <a:rPr lang="hu-HU" sz="2000" dirty="0"/>
+              <a:t>Aktiváláskor ezt hozzuk létre</a:t>
+            </a:r>
+          </a:p>
+        </p:txBody>
+      </p:sp>
+    </p:spTree>
+    <p:extLst>
+      <p:ext uri="{BB962C8B-B14F-4D97-AF65-F5344CB8AC3E}">
+        <p14:creationId xmlns:p14="http://schemas.microsoft.com/office/powerpoint/2010/main" val="1395553986"/>
+      </p:ext>
+    </p:extLst>
+  </p:cSld>
+  <p:clrMapOvr>
+    <a:masterClrMapping/>
+  </p:clrMapOvr>
+</p:sld>
+</file>
+
+<file path=ppt/slides/slide11.xml><?xml version="1.0" encoding="utf-8"?>
+<p:sld xmlns:a="http://schemas.openxmlformats.org/drawingml/2006/main" xmlns:r="http://schemas.openxmlformats.org/officeDocument/2006/relationships" xmlns:p="http://schemas.openxmlformats.org/presentationml/2006/main">
+  <p:cSld>
+    <p:bg>
+      <p:bgPr>
+        <a:gradFill>
+          <a:gsLst>
+            <a:gs pos="0">
+              <a:schemeClr val="accent1">
+                <a:lumMod val="5000"/>
+                <a:lumOff val="95000"/>
+              </a:schemeClr>
+            </a:gs>
+            <a:gs pos="74000">
+              <a:schemeClr val="accent1">
+                <a:lumMod val="45000"/>
+                <a:lumOff val="55000"/>
+              </a:schemeClr>
+            </a:gs>
+            <a:gs pos="83000">
+              <a:schemeClr val="accent1">
+                <a:lumMod val="45000"/>
+                <a:lumOff val="55000"/>
+              </a:schemeClr>
+            </a:gs>
+            <a:gs pos="100000">
+              <a:schemeClr val="accent1">
+                <a:lumMod val="30000"/>
+                <a:lumOff val="70000"/>
+              </a:schemeClr>
+            </a:gs>
+          </a:gsLst>
+          <a:lin ang="5400000" scaled="1"/>
+        </a:gradFill>
+        <a:effectLst/>
+      </p:bgPr>
+    </p:bg>
+    <p:spTree>
+      <p:nvGrpSpPr>
+        <p:cNvPr id="1" name=""/>
+        <p:cNvGrpSpPr/>
+        <p:nvPr/>
+      </p:nvGrpSpPr>
+      <p:grpSpPr>
+        <a:xfrm>
+          <a:off x="0" y="0"/>
+          <a:ext cx="0" cy="0"/>
+          <a:chOff x="0" y="0"/>
+          <a:chExt cx="0" cy="0"/>
+        </a:xfrm>
+      </p:grpSpPr>
+      <p:sp>
+        <p:nvSpPr>
+          <p:cNvPr id="2" name="Cím 1"/>
+          <p:cNvSpPr>
+            <a:spLocks noGrp="1"/>
+          </p:cNvSpPr>
+          <p:nvPr>
+            <p:ph type="title"/>
+          </p:nvPr>
+        </p:nvSpPr>
+        <p:spPr/>
+        <p:txBody>
+          <a:bodyPr/>
+          <a:lstStyle/>
+          <a:p>
+            <a:r>
+              <a:rPr lang="hu-HU" dirty="0" err="1"/>
+              <a:t>MainModule</a:t>
+            </a:r>
+            <a:endParaRPr lang="hu-HU" dirty="0"/>
+          </a:p>
+        </p:txBody>
+      </p:sp>
+      <p:pic>
+        <p:nvPicPr>
+          <p:cNvPr id="4" name="Tartalom helye 3"/>
+          <p:cNvPicPr>
+            <a:picLocks noGrp="1" noChangeAspect="1"/>
+          </p:cNvPicPr>
+          <p:nvPr>
+            <p:ph idx="1"/>
+          </p:nvPr>
+        </p:nvPicPr>
+        <p:blipFill>
+          <a:blip r:embed="rId2"/>
+          <a:stretch>
+            <a:fillRect/>
+          </a:stretch>
+        </p:blipFill>
+        <p:spPr>
+          <a:xfrm>
+            <a:off x="6457950" y="365125"/>
+            <a:ext cx="4895850" cy="5962590"/>
+          </a:xfrm>
+          <a:prstGeom prst="rect">
+            <a:avLst/>
+          </a:prstGeom>
+        </p:spPr>
+      </p:pic>
+      <p:sp>
+        <p:nvSpPr>
+          <p:cNvPr id="5" name="Szövegdoboz 4"/>
+          <p:cNvSpPr txBox="1"/>
+          <p:nvPr/>
+        </p:nvSpPr>
+        <p:spPr>
+          <a:xfrm>
+            <a:off x="771525" y="2143125"/>
+            <a:ext cx="5362575" cy="1569660"/>
+          </a:xfrm>
+          <a:prstGeom prst="rect">
+            <a:avLst/>
+          </a:prstGeom>
+          <a:noFill/>
+        </p:spPr>
+        <p:txBody>
+          <a:bodyPr wrap="square" rtlCol="0">
+            <a:spAutoFit/>
+          </a:bodyPr>
+          <a:lstStyle/>
+          <a:p>
+            <a:pPr marL="342900" indent="-342900">
+              <a:buFont typeface="Arial" panose="020B0604020202020204" pitchFamily="34" charset="0"/>
+              <a:buChar char="•"/>
+            </a:pPr>
+            <a:r>
+              <a:rPr lang="hu-HU" sz="2400" dirty="0"/>
+              <a:t>Egységes </a:t>
+            </a:r>
+            <a:r>
+              <a:rPr lang="hu-HU" sz="2400" dirty="0" err="1"/>
+              <a:t>interface</a:t>
+            </a:r>
+            <a:endParaRPr lang="hu-HU" sz="2400" dirty="0"/>
+          </a:p>
+          <a:p>
+            <a:pPr marL="342900" indent="-342900">
+              <a:buFont typeface="Arial" panose="020B0604020202020204" pitchFamily="34" charset="0"/>
+              <a:buChar char="•"/>
+            </a:pPr>
+            <a:r>
+              <a:rPr lang="hu-HU" sz="2400" dirty="0"/>
+              <a:t>Nem kell tudni melyik </a:t>
+            </a:r>
+            <a:r>
+              <a:rPr lang="hu-HU" sz="2400" dirty="0" err="1"/>
+              <a:t>feature</a:t>
+            </a:r>
+            <a:r>
+              <a:rPr lang="hu-HU" sz="2400" dirty="0"/>
+              <a:t> melyik osztályban van</a:t>
+            </a:r>
+          </a:p>
+          <a:p>
+            <a:pPr marL="342900" indent="-342900">
+              <a:buFont typeface="Arial" panose="020B0604020202020204" pitchFamily="34" charset="0"/>
+              <a:buChar char="•"/>
+            </a:pPr>
+            <a:r>
+              <a:rPr lang="hu-HU" sz="2400"/>
+              <a:t>Egyszerűbb kód</a:t>
+            </a:r>
+            <a:endParaRPr lang="hu-HU" sz="2400" dirty="0"/>
+          </a:p>
+        </p:txBody>
+      </p:sp>
+    </p:spTree>
+    <p:extLst>
+      <p:ext uri="{BB962C8B-B14F-4D97-AF65-F5344CB8AC3E}">
+        <p14:creationId xmlns:p14="http://schemas.microsoft.com/office/powerpoint/2010/main" val="2778715585"/>
+      </p:ext>
+    </p:extLst>
+  </p:cSld>
+  <p:clrMapOvr>
+    <a:masterClrMapping/>
+  </p:clrMapOvr>
+</p:sld>
+</file>
+
+<file path=ppt/slides/slide12.xml><?xml version="1.0" encoding="utf-8"?>
+<p:sld xmlns:a="http://schemas.openxmlformats.org/drawingml/2006/main" xmlns:r="http://schemas.openxmlformats.org/officeDocument/2006/relationships" xmlns:p="http://schemas.openxmlformats.org/presentationml/2006/main">
+  <p:cSld>
+    <p:bg>
+      <p:bgPr>
+        <a:gradFill>
+          <a:gsLst>
+            <a:gs pos="0">
+              <a:schemeClr val="accent1">
+                <a:lumMod val="5000"/>
+                <a:lumOff val="95000"/>
+              </a:schemeClr>
+            </a:gs>
+            <a:gs pos="74000">
+              <a:schemeClr val="accent1">
+                <a:lumMod val="45000"/>
+                <a:lumOff val="55000"/>
+              </a:schemeClr>
+            </a:gs>
+            <a:gs pos="83000">
+              <a:schemeClr val="accent1">
+                <a:lumMod val="45000"/>
+                <a:lumOff val="55000"/>
+              </a:schemeClr>
+            </a:gs>
+            <a:gs pos="100000">
+              <a:schemeClr val="accent1">
+                <a:lumMod val="30000"/>
+                <a:lumOff val="70000"/>
+              </a:schemeClr>
+            </a:gs>
+          </a:gsLst>
+          <a:lin ang="5400000" scaled="1"/>
+        </a:gradFill>
+        <a:effectLst/>
+      </p:bgPr>
+    </p:bg>
+    <p:spTree>
+      <p:nvGrpSpPr>
+        <p:cNvPr id="1" name=""/>
+        <p:cNvGrpSpPr/>
+        <p:nvPr/>
+      </p:nvGrpSpPr>
+      <p:grpSpPr>
+        <a:xfrm>
+          <a:off x="0" y="0"/>
+          <a:ext cx="0" cy="0"/>
+          <a:chOff x="0" y="0"/>
+          <a:chExt cx="0" cy="0"/>
+        </a:xfrm>
+      </p:grpSpPr>
+      <p:sp>
+        <p:nvSpPr>
+          <p:cNvPr id="2" name="Cím 1"/>
+          <p:cNvSpPr>
+            <a:spLocks noGrp="1"/>
+          </p:cNvSpPr>
+          <p:nvPr>
+            <p:ph type="title"/>
+          </p:nvPr>
+        </p:nvSpPr>
+        <p:spPr>
+          <a:xfrm>
+            <a:off x="742950" y="2174875"/>
+            <a:ext cx="10515600" cy="1325563"/>
+          </a:xfrm>
+        </p:spPr>
+        <p:txBody>
+          <a:bodyPr>
+            <a:normAutofit/>
+          </a:bodyPr>
+          <a:lstStyle/>
+          <a:p>
+            <a:pPr algn="ctr"/>
+            <a:r>
+              <a:rPr lang="hu-HU" sz="7200" dirty="0"/>
+              <a:t>Várom a kérdéseket</a:t>
+            </a:r>
+          </a:p>
+        </p:txBody>
+      </p:sp>
+    </p:spTree>
+    <p:extLst>
+      <p:ext uri="{BB962C8B-B14F-4D97-AF65-F5344CB8AC3E}">
+        <p14:creationId xmlns:p14="http://schemas.microsoft.com/office/powerpoint/2010/main" val="2252297235"/>
+      </p:ext>
+    </p:extLst>
+  </p:cSld>
+  <p:clrMapOvr>
+    <a:masterClrMapping/>
+  </p:clrMapOvr>
+</p:sld>
+</file>
+
 <file path=ppt/slides/slide2.xml><?xml version="1.0" encoding="utf-8"?>
 <p:sld xmlns:a="http://schemas.openxmlformats.org/drawingml/2006/main" xmlns:r="http://schemas.openxmlformats.org/officeDocument/2006/relationships" xmlns:p="http://schemas.openxmlformats.org/presentationml/2006/main">
   <p:cSld>
@@ -3180,7 +3623,6 @@
               <a:rPr lang="hu-HU" sz="6600" dirty="0"/>
               <a:t>A játék műfaja</a:t>
             </a:r>
-            <a:endParaRPr lang="hu-HU" sz="6600" dirty="0"/>
           </a:p>
         </p:txBody>
       </p:sp>
@@ -3305,7 +3747,11 @@
           <a:bodyPr/>
           <a:lstStyle/>
           <a:p>
-            <a:endParaRPr lang="hu-HU" dirty="0"/>
+            <a:pPr algn="ctr"/>
+            <a:r>
+              <a:rPr lang="hu-HU" dirty="0"/>
+              <a:t>A játék kinézete</a:t>
+            </a:r>
           </a:p>
         </p:txBody>
       </p:sp>
@@ -3424,7 +3870,6 @@
               <a:rPr lang="hu-HU" sz="6600" dirty="0"/>
               <a:t> rendszer</a:t>
             </a:r>
-            <a:endParaRPr lang="hu-HU" sz="6600" dirty="0"/>
           </a:p>
         </p:txBody>
       </p:sp>
@@ -3957,6 +4402,72 @@
           </a:ln>
         </p:spPr>
       </p:pic>
+      <p:pic>
+        <p:nvPicPr>
+          <p:cNvPr id="7" name="Kép 6"/>
+          <p:cNvPicPr/>
+          <p:nvPr/>
+        </p:nvPicPr>
+        <p:blipFill>
+          <a:blip r:embed="rId5">
+            <a:extLst>
+              <a:ext uri="{28A0092B-C50C-407E-A947-70E740481C1C}">
+                <a14:useLocalDpi xmlns:a14="http://schemas.microsoft.com/office/drawing/2010/main" val="0"/>
+              </a:ext>
+            </a:extLst>
+          </a:blip>
+          <a:srcRect/>
+          <a:stretch>
+            <a:fillRect/>
+          </a:stretch>
+        </p:blipFill>
+        <p:spPr bwMode="auto">
+          <a:xfrm>
+            <a:off x="8373888" y="3762988"/>
+            <a:ext cx="1717675" cy="1227106"/>
+          </a:xfrm>
+          <a:prstGeom prst="rect">
+            <a:avLst/>
+          </a:prstGeom>
+          <a:noFill/>
+          <a:ln>
+            <a:noFill/>
+          </a:ln>
+        </p:spPr>
+      </p:pic>
+      <p:pic>
+        <p:nvPicPr>
+          <p:cNvPr id="8" name="Kép 7"/>
+          <p:cNvPicPr/>
+          <p:nvPr/>
+        </p:nvPicPr>
+        <p:blipFill>
+          <a:blip r:embed="rId6">
+            <a:extLst>
+              <a:ext uri="{28A0092B-C50C-407E-A947-70E740481C1C}">
+                <a14:useLocalDpi xmlns:a14="http://schemas.microsoft.com/office/drawing/2010/main" val="0"/>
+              </a:ext>
+            </a:extLst>
+          </a:blip>
+          <a:srcRect/>
+          <a:stretch>
+            <a:fillRect/>
+          </a:stretch>
+        </p:blipFill>
+        <p:spPr bwMode="auto">
+          <a:xfrm>
+            <a:off x="8373889" y="5125031"/>
+            <a:ext cx="1717675" cy="1375410"/>
+          </a:xfrm>
+          <a:prstGeom prst="rect">
+            <a:avLst/>
+          </a:prstGeom>
+          <a:noFill/>
+          <a:ln>
+            <a:noFill/>
+          </a:ln>
+        </p:spPr>
+      </p:pic>
     </p:spTree>
     <p:extLst>
       <p:ext uri="{BB962C8B-B14F-4D97-AF65-F5344CB8AC3E}">
@@ -4031,7 +4542,12 @@
             <p:ph type="title"/>
           </p:nvPr>
         </p:nvSpPr>
-        <p:spPr/>
+        <p:spPr>
+          <a:xfrm>
+            <a:off x="1060142" y="2770974"/>
+            <a:ext cx="10515600" cy="1325563"/>
+          </a:xfrm>
+        </p:spPr>
         <p:txBody>
           <a:bodyPr>
             <a:normAutofit/>
@@ -4039,6 +4555,98 @@
           <a:lstStyle/>
           <a:p>
             <a:r>
+              <a:rPr lang="hu-HU" sz="6600" dirty="0" err="1"/>
+              <a:t>Továbbfejlesztési</a:t>
+            </a:r>
+            <a:r>
+              <a:rPr lang="hu-HU" sz="6600" dirty="0"/>
+              <a:t> lehetőségek</a:t>
+            </a:r>
+          </a:p>
+        </p:txBody>
+      </p:sp>
+    </p:spTree>
+    <p:extLst>
+      <p:ext uri="{BB962C8B-B14F-4D97-AF65-F5344CB8AC3E}">
+        <p14:creationId xmlns:p14="http://schemas.microsoft.com/office/powerpoint/2010/main" val="2523992394"/>
+      </p:ext>
+    </p:extLst>
+  </p:cSld>
+  <p:clrMapOvr>
+    <a:masterClrMapping/>
+  </p:clrMapOvr>
+</p:sld>
+</file>
+
+<file path=ppt/slides/slide8.xml><?xml version="1.0" encoding="utf-8"?>
+<p:sld xmlns:a="http://schemas.openxmlformats.org/drawingml/2006/main" xmlns:r="http://schemas.openxmlformats.org/officeDocument/2006/relationships" xmlns:p="http://schemas.openxmlformats.org/presentationml/2006/main">
+  <p:cSld>
+    <p:bg>
+      <p:bgPr>
+        <a:gradFill>
+          <a:gsLst>
+            <a:gs pos="0">
+              <a:schemeClr val="accent1">
+                <a:lumMod val="5000"/>
+                <a:lumOff val="95000"/>
+              </a:schemeClr>
+            </a:gs>
+            <a:gs pos="74000">
+              <a:schemeClr val="accent1">
+                <a:lumMod val="45000"/>
+                <a:lumOff val="55000"/>
+              </a:schemeClr>
+            </a:gs>
+            <a:gs pos="83000">
+              <a:schemeClr val="accent1">
+                <a:lumMod val="45000"/>
+                <a:lumOff val="55000"/>
+              </a:schemeClr>
+            </a:gs>
+            <a:gs pos="100000">
+              <a:schemeClr val="accent1">
+                <a:lumMod val="30000"/>
+                <a:lumOff val="70000"/>
+              </a:schemeClr>
+            </a:gs>
+          </a:gsLst>
+          <a:lin ang="5400000" scaled="1"/>
+        </a:gradFill>
+        <a:effectLst/>
+      </p:bgPr>
+    </p:bg>
+    <p:spTree>
+      <p:nvGrpSpPr>
+        <p:cNvPr id="1" name=""/>
+        <p:cNvGrpSpPr/>
+        <p:nvPr/>
+      </p:nvGrpSpPr>
+      <p:grpSpPr>
+        <a:xfrm>
+          <a:off x="0" y="0"/>
+          <a:ext cx="0" cy="0"/>
+          <a:chOff x="0" y="0"/>
+          <a:chExt cx="0" cy="0"/>
+        </a:xfrm>
+      </p:grpSpPr>
+      <p:sp>
+        <p:nvSpPr>
+          <p:cNvPr id="2" name="Cím 1"/>
+          <p:cNvSpPr>
+            <a:spLocks noGrp="1"/>
+          </p:cNvSpPr>
+          <p:nvPr>
+            <p:ph type="title"/>
+          </p:nvPr>
+        </p:nvSpPr>
+        <p:spPr/>
+        <p:txBody>
+          <a:bodyPr>
+            <a:normAutofit/>
+          </a:bodyPr>
+          <a:lstStyle/>
+          <a:p>
+            <a:r>
               <a:rPr lang="hu-HU" sz="6600" dirty="0"/>
               <a:t>Képesség keretrendszer</a:t>
             </a:r>
@@ -4074,7 +4682,48 @@
             </a:r>
           </a:p>
           <a:p>
+            <a:r>
+              <a:rPr lang="hu-HU" dirty="0"/>
+              <a:t>Az </a:t>
+            </a:r>
+            <a:r>
+              <a:rPr lang="hu-HU" dirty="0" err="1"/>
+              <a:t>Ability</a:t>
+            </a:r>
+            <a:r>
+              <a:rPr lang="hu-HU" dirty="0"/>
+              <a:t> ősosztály kezeli:</a:t>
+            </a:r>
+          </a:p>
+          <a:p>
+            <a:pPr lvl="1"/>
+            <a:r>
+              <a:rPr lang="hu-HU" dirty="0" err="1"/>
+              <a:t>Manaköltség</a:t>
+            </a:r>
             <a:endParaRPr lang="hu-HU" dirty="0"/>
+          </a:p>
+          <a:p>
+            <a:pPr lvl="1"/>
+            <a:r>
+              <a:rPr lang="hu-HU" dirty="0"/>
+              <a:t>Ikon</a:t>
+            </a:r>
+          </a:p>
+          <a:p>
+            <a:pPr lvl="1"/>
+            <a:r>
+              <a:rPr lang="hu-HU" dirty="0" err="1"/>
+              <a:t>Cooldown</a:t>
+            </a:r>
+            <a:endParaRPr lang="hu-HU" dirty="0"/>
+          </a:p>
+          <a:p>
+            <a:pPr lvl="1"/>
+            <a:r>
+              <a:rPr lang="hu-HU" dirty="0"/>
+              <a:t>Billentyű figyelése</a:t>
+            </a:r>
           </a:p>
         </p:txBody>
       </p:sp>
@@ -4082,6 +4731,89 @@
     <p:extLst>
       <p:ext uri="{BB962C8B-B14F-4D97-AF65-F5344CB8AC3E}">
         <p14:creationId xmlns:p14="http://schemas.microsoft.com/office/powerpoint/2010/main" val="3230868112"/>
+      </p:ext>
+    </p:extLst>
+  </p:cSld>
+  <p:clrMapOvr>
+    <a:masterClrMapping/>
+  </p:clrMapOvr>
+</p:sld>
+</file>
+
+<file path=ppt/slides/slide9.xml><?xml version="1.0" encoding="utf-8"?>
+<p:sld xmlns:a="http://schemas.openxmlformats.org/drawingml/2006/main" xmlns:r="http://schemas.openxmlformats.org/officeDocument/2006/relationships" xmlns:p="http://schemas.openxmlformats.org/presentationml/2006/main">
+  <p:cSld>
+    <p:bg>
+      <p:bgPr>
+        <a:solidFill>
+          <a:schemeClr val="bg1"/>
+        </a:solidFill>
+        <a:effectLst/>
+      </p:bgPr>
+    </p:bg>
+    <p:spTree>
+      <p:nvGrpSpPr>
+        <p:cNvPr id="1" name=""/>
+        <p:cNvGrpSpPr/>
+        <p:nvPr/>
+      </p:nvGrpSpPr>
+      <p:grpSpPr>
+        <a:xfrm>
+          <a:off x="0" y="0"/>
+          <a:ext cx="0" cy="0"/>
+          <a:chOff x="0" y="0"/>
+          <a:chExt cx="0" cy="0"/>
+        </a:xfrm>
+      </p:grpSpPr>
+      <p:sp>
+        <p:nvSpPr>
+          <p:cNvPr id="2" name="Cím 1"/>
+          <p:cNvSpPr>
+            <a:spLocks noGrp="1"/>
+          </p:cNvSpPr>
+          <p:nvPr>
+            <p:ph type="title"/>
+          </p:nvPr>
+        </p:nvSpPr>
+        <p:spPr/>
+        <p:txBody>
+          <a:bodyPr/>
+          <a:lstStyle/>
+          <a:p>
+            <a:endParaRPr lang="hu-HU" dirty="0"/>
+          </a:p>
+        </p:txBody>
+      </p:sp>
+      <p:pic>
+        <p:nvPicPr>
+          <p:cNvPr id="4" name="Tartalom helye 3"/>
+          <p:cNvPicPr>
+            <a:picLocks noGrp="1" noChangeAspect="1"/>
+          </p:cNvPicPr>
+          <p:nvPr>
+            <p:ph idx="1"/>
+          </p:nvPr>
+        </p:nvPicPr>
+        <p:blipFill>
+          <a:blip r:embed="rId2"/>
+          <a:stretch>
+            <a:fillRect/>
+          </a:stretch>
+        </p:blipFill>
+        <p:spPr>
+          <a:xfrm>
+            <a:off x="1986805" y="594804"/>
+            <a:ext cx="6733670" cy="5582159"/>
+          </a:xfrm>
+          <a:prstGeom prst="rect">
+            <a:avLst/>
+          </a:prstGeom>
+        </p:spPr>
+      </p:pic>
+    </p:spTree>
+    <p:extLst>
+      <p:ext uri="{BB962C8B-B14F-4D97-AF65-F5344CB8AC3E}">
+        <p14:creationId xmlns:p14="http://schemas.microsoft.com/office/powerpoint/2010/main" val="58061205"/>
       </p:ext>
     </p:extLst>
   </p:cSld>

--- a/Előadás.pptx
+++ b/Előadás.pptx
@@ -8,15 +8,14 @@
     <p:sldId id="256" r:id="rId2"/>
     <p:sldId id="257" r:id="rId3"/>
     <p:sldId id="258" r:id="rId4"/>
-    <p:sldId id="259" r:id="rId5"/>
-    <p:sldId id="261" r:id="rId6"/>
+    <p:sldId id="261" r:id="rId5"/>
+    <p:sldId id="259" r:id="rId6"/>
     <p:sldId id="260" r:id="rId7"/>
     <p:sldId id="263" r:id="rId8"/>
     <p:sldId id="262" r:id="rId9"/>
-    <p:sldId id="264" r:id="rId10"/>
-    <p:sldId id="265" r:id="rId11"/>
-    <p:sldId id="266" r:id="rId12"/>
-    <p:sldId id="267" r:id="rId13"/>
+    <p:sldId id="265" r:id="rId10"/>
+    <p:sldId id="266" r:id="rId11"/>
+    <p:sldId id="267" r:id="rId12"/>
   </p:sldIdLst>
   <p:sldSz cx="12192000" cy="6858000"/>
   <p:notesSz cx="6858000" cy="9144000"/>
@@ -252,7 +251,7 @@
           <a:p>
             <a:fld id="{0DF7AFCC-03F3-4645-B302-DEC10D791797}" type="datetimeFigureOut">
               <a:rPr lang="hu-HU" smtClean="0"/>
-              <a:t>2017. 05. 16.</a:t>
+              <a:t>2017. 05. 17.</a:t>
             </a:fld>
             <a:endParaRPr lang="hu-HU"/>
           </a:p>
@@ -420,7 +419,7 @@
           <a:p>
             <a:fld id="{0DF7AFCC-03F3-4645-B302-DEC10D791797}" type="datetimeFigureOut">
               <a:rPr lang="hu-HU" smtClean="0"/>
-              <a:t>2017. 05. 16.</a:t>
+              <a:t>2017. 05. 17.</a:t>
             </a:fld>
             <a:endParaRPr lang="hu-HU"/>
           </a:p>
@@ -598,7 +597,7 @@
           <a:p>
             <a:fld id="{0DF7AFCC-03F3-4645-B302-DEC10D791797}" type="datetimeFigureOut">
               <a:rPr lang="hu-HU" smtClean="0"/>
-              <a:t>2017. 05. 16.</a:t>
+              <a:t>2017. 05. 17.</a:t>
             </a:fld>
             <a:endParaRPr lang="hu-HU"/>
           </a:p>
@@ -766,7 +765,7 @@
           <a:p>
             <a:fld id="{0DF7AFCC-03F3-4645-B302-DEC10D791797}" type="datetimeFigureOut">
               <a:rPr lang="hu-HU" smtClean="0"/>
-              <a:t>2017. 05. 16.</a:t>
+              <a:t>2017. 05. 17.</a:t>
             </a:fld>
             <a:endParaRPr lang="hu-HU"/>
           </a:p>
@@ -1011,7 +1010,7 @@
           <a:p>
             <a:fld id="{0DF7AFCC-03F3-4645-B302-DEC10D791797}" type="datetimeFigureOut">
               <a:rPr lang="hu-HU" smtClean="0"/>
-              <a:t>2017. 05. 16.</a:t>
+              <a:t>2017. 05. 17.</a:t>
             </a:fld>
             <a:endParaRPr lang="hu-HU"/>
           </a:p>
@@ -1240,7 +1239,7 @@
           <a:p>
             <a:fld id="{0DF7AFCC-03F3-4645-B302-DEC10D791797}" type="datetimeFigureOut">
               <a:rPr lang="hu-HU" smtClean="0"/>
-              <a:t>2017. 05. 16.</a:t>
+              <a:t>2017. 05. 17.</a:t>
             </a:fld>
             <a:endParaRPr lang="hu-HU"/>
           </a:p>
@@ -1604,7 +1603,7 @@
           <a:p>
             <a:fld id="{0DF7AFCC-03F3-4645-B302-DEC10D791797}" type="datetimeFigureOut">
               <a:rPr lang="hu-HU" smtClean="0"/>
-              <a:t>2017. 05. 16.</a:t>
+              <a:t>2017. 05. 17.</a:t>
             </a:fld>
             <a:endParaRPr lang="hu-HU"/>
           </a:p>
@@ -1721,7 +1720,7 @@
           <a:p>
             <a:fld id="{0DF7AFCC-03F3-4645-B302-DEC10D791797}" type="datetimeFigureOut">
               <a:rPr lang="hu-HU" smtClean="0"/>
-              <a:t>2017. 05. 16.</a:t>
+              <a:t>2017. 05. 17.</a:t>
             </a:fld>
             <a:endParaRPr lang="hu-HU"/>
           </a:p>
@@ -1816,7 +1815,7 @@
           <a:p>
             <a:fld id="{0DF7AFCC-03F3-4645-B302-DEC10D791797}" type="datetimeFigureOut">
               <a:rPr lang="hu-HU" smtClean="0"/>
-              <a:t>2017. 05. 16.</a:t>
+              <a:t>2017. 05. 17.</a:t>
             </a:fld>
             <a:endParaRPr lang="hu-HU"/>
           </a:p>
@@ -2091,7 +2090,7 @@
           <a:p>
             <a:fld id="{0DF7AFCC-03F3-4645-B302-DEC10D791797}" type="datetimeFigureOut">
               <a:rPr lang="hu-HU" smtClean="0"/>
-              <a:t>2017. 05. 16.</a:t>
+              <a:t>2017. 05. 17.</a:t>
             </a:fld>
             <a:endParaRPr lang="hu-HU"/>
           </a:p>
@@ -2343,7 +2342,7 @@
           <a:p>
             <a:fld id="{0DF7AFCC-03F3-4645-B302-DEC10D791797}" type="datetimeFigureOut">
               <a:rPr lang="hu-HU" smtClean="0"/>
-              <a:t>2017. 05. 16.</a:t>
+              <a:t>2017. 05. 17.</a:t>
             </a:fld>
             <a:endParaRPr lang="hu-HU"/>
           </a:p>
@@ -2554,7 +2553,7 @@
           <a:p>
             <a:fld id="{0DF7AFCC-03F3-4645-B302-DEC10D791797}" type="datetimeFigureOut">
               <a:rPr lang="hu-HU" smtClean="0"/>
-              <a:t>2017. 05. 16.</a:t>
+              <a:t>2017. 05. 17.</a:t>
             </a:fld>
             <a:endParaRPr lang="hu-HU"/>
           </a:p>
@@ -3150,184 +3149,85 @@
       </p:grpSpPr>
       <p:sp>
         <p:nvSpPr>
-          <p:cNvPr id="2" name="Cím 1"/>
-          <p:cNvSpPr>
-            <a:spLocks noGrp="1"/>
-          </p:cNvSpPr>
-          <p:nvPr>
-            <p:ph type="title"/>
-          </p:nvPr>
-        </p:nvSpPr>
-        <p:spPr/>
-        <p:txBody>
-          <a:bodyPr/>
-          <a:lstStyle/>
-          <a:p>
+          <p:cNvPr id="3" name="Tartalom helye 2"/>
+          <p:cNvSpPr>
+            <a:spLocks noGrp="1"/>
+          </p:cNvSpPr>
+          <p:nvPr>
+            <p:ph idx="1"/>
+          </p:nvPr>
+        </p:nvSpPr>
+        <p:spPr/>
+        <p:txBody>
+          <a:bodyPr/>
+          <a:lstStyle/>
+          <a:p>
+            <a:pPr marL="342900" indent="-342900"/>
             <a:r>
               <a:rPr lang="hu-HU" dirty="0"/>
-              <a:t>Új képesség létrehozása</a:t>
-            </a:r>
-          </a:p>
-        </p:txBody>
-      </p:sp>
-      <p:sp>
-        <p:nvSpPr>
-          <p:cNvPr id="3" name="Tartalom helye 2"/>
-          <p:cNvSpPr>
-            <a:spLocks noGrp="1"/>
-          </p:cNvSpPr>
-          <p:nvPr>
-            <p:ph idx="1"/>
-          </p:nvPr>
-        </p:nvSpPr>
-        <p:spPr>
-          <a:noFill/>
-        </p:spPr>
-        <p:txBody>
-          <a:bodyPr>
-            <a:normAutofit/>
-          </a:bodyPr>
-          <a:lstStyle/>
-          <a:p>
-            <a:r>
-              <a:rPr lang="hu-HU" sz="2400" dirty="0" err="1"/>
-              <a:t>Player</a:t>
-            </a:r>
-            <a:r>
-              <a:rPr lang="hu-HU" sz="2400" dirty="0"/>
-              <a:t> </a:t>
-            </a:r>
-            <a:r>
-              <a:rPr lang="hu-HU" sz="2400" dirty="0" err="1"/>
-              <a:t>GameObject-hez</a:t>
-            </a:r>
-            <a:r>
-              <a:rPr lang="hu-HU" sz="2400" dirty="0"/>
-              <a:t> új script hozzáadása az </a:t>
-            </a:r>
-            <a:r>
-              <a:rPr lang="hu-HU" sz="2400" dirty="0" err="1"/>
-              <a:t>Ability-ból</a:t>
-            </a:r>
-            <a:r>
-              <a:rPr lang="hu-HU" sz="2400" dirty="0"/>
-              <a:t> származtatva</a:t>
-            </a:r>
-          </a:p>
-          <a:p>
-            <a:r>
-              <a:rPr lang="hu-HU" sz="2400" dirty="0"/>
-              <a:t>Az </a:t>
-            </a:r>
-            <a:r>
-              <a:rPr lang="hu-HU" sz="2400" dirty="0" err="1"/>
-              <a:t>Activate</a:t>
-            </a:r>
-            <a:r>
-              <a:rPr lang="hu-HU" sz="2400" dirty="0"/>
-              <a:t>() megírása</a:t>
-            </a:r>
-          </a:p>
-          <a:p>
-            <a:r>
-              <a:rPr lang="hu-HU" sz="2400" dirty="0"/>
-              <a:t>Az UI-n új ikon létrehozása</a:t>
-            </a:r>
-          </a:p>
-          <a:p>
-            <a:r>
-              <a:rPr lang="hu-HU" sz="2400" dirty="0"/>
-              <a:t>A képesség </a:t>
-            </a:r>
-            <a:r>
-              <a:rPr lang="hu-HU" sz="2400" dirty="0" err="1"/>
-              <a:t>GameObject</a:t>
-            </a:r>
-            <a:r>
-              <a:rPr lang="hu-HU" sz="2400" dirty="0"/>
-              <a:t> létrehozása</a:t>
-            </a:r>
-          </a:p>
-          <a:p>
-            <a:pPr lvl="1"/>
-            <a:r>
-              <a:rPr lang="hu-HU" sz="2000" dirty="0"/>
-              <a:t>Ez tartalmazza a képesség mechanikáját</a:t>
-            </a:r>
-          </a:p>
-          <a:p>
-            <a:pPr lvl="1"/>
-            <a:r>
-              <a:rPr lang="hu-HU" sz="2000" dirty="0"/>
-              <a:t>Aktiváláskor ezt hozzuk létre</a:t>
-            </a:r>
-          </a:p>
-        </p:txBody>
-      </p:sp>
-    </p:spTree>
-    <p:extLst>
-      <p:ext uri="{BB962C8B-B14F-4D97-AF65-F5344CB8AC3E}">
-        <p14:creationId xmlns:p14="http://schemas.microsoft.com/office/powerpoint/2010/main" val="1395553986"/>
-      </p:ext>
-    </p:extLst>
-  </p:cSld>
-  <p:clrMapOvr>
-    <a:masterClrMapping/>
-  </p:clrMapOvr>
-</p:sld>
-</file>
-
-<file path=ppt/slides/slide11.xml><?xml version="1.0" encoding="utf-8"?>
-<p:sld xmlns:a="http://schemas.openxmlformats.org/drawingml/2006/main" xmlns:r="http://schemas.openxmlformats.org/officeDocument/2006/relationships" xmlns:p="http://schemas.openxmlformats.org/presentationml/2006/main">
-  <p:cSld>
-    <p:bg>
-      <p:bgPr>
-        <a:gradFill>
-          <a:gsLst>
-            <a:gs pos="0">
-              <a:schemeClr val="accent1">
-                <a:lumMod val="5000"/>
-                <a:lumOff val="95000"/>
-              </a:schemeClr>
-            </a:gs>
-            <a:gs pos="74000">
-              <a:schemeClr val="accent1">
-                <a:lumMod val="45000"/>
-                <a:lumOff val="55000"/>
-              </a:schemeClr>
-            </a:gs>
-            <a:gs pos="83000">
-              <a:schemeClr val="accent1">
-                <a:lumMod val="45000"/>
-                <a:lumOff val="55000"/>
-              </a:schemeClr>
-            </a:gs>
-            <a:gs pos="100000">
-              <a:schemeClr val="accent1">
-                <a:lumMod val="30000"/>
-                <a:lumOff val="70000"/>
-              </a:schemeClr>
-            </a:gs>
-          </a:gsLst>
-          <a:lin ang="5400000" scaled="1"/>
-        </a:gradFill>
-        <a:effectLst/>
-      </p:bgPr>
-    </p:bg>
-    <p:spTree>
-      <p:nvGrpSpPr>
-        <p:cNvPr id="1" name=""/>
-        <p:cNvGrpSpPr/>
-        <p:nvPr/>
-      </p:nvGrpSpPr>
-      <p:grpSpPr>
-        <a:xfrm>
-          <a:off x="0" y="0"/>
-          <a:ext cx="0" cy="0"/>
-          <a:chOff x="0" y="0"/>
-          <a:chExt cx="0" cy="0"/>
-        </a:xfrm>
-      </p:grpSpPr>
+              <a:t>Segíti a további fejlesztést</a:t>
+            </a:r>
+          </a:p>
+          <a:p>
+            <a:pPr marL="800100" lvl="1" indent="-342900"/>
+            <a:r>
+              <a:rPr lang="hu-HU" dirty="0"/>
+              <a:t>Új ellenségek</a:t>
+            </a:r>
+          </a:p>
+          <a:p>
+            <a:pPr marL="800100" lvl="1" indent="-342900"/>
+            <a:r>
+              <a:rPr lang="hu-HU" dirty="0"/>
+              <a:t>Új képességek</a:t>
+            </a:r>
+          </a:p>
+          <a:p>
+            <a:pPr marL="342900" indent="-342900"/>
+            <a:r>
+              <a:rPr lang="hu-HU" dirty="0"/>
+              <a:t>Egységes </a:t>
+            </a:r>
+            <a:r>
+              <a:rPr lang="hu-HU" dirty="0" err="1"/>
+              <a:t>interface</a:t>
+            </a:r>
+            <a:endParaRPr lang="hu-HU" dirty="0"/>
+          </a:p>
+          <a:p>
+            <a:pPr marL="342900" indent="-342900"/>
+            <a:r>
+              <a:rPr lang="hu-HU" dirty="0"/>
+              <a:t>Nem kell tudni melyik </a:t>
+            </a:r>
+            <a:r>
+              <a:rPr lang="hu-HU" dirty="0" err="1"/>
+              <a:t>feature</a:t>
+            </a:r>
+            <a:r>
+              <a:rPr lang="hu-HU" dirty="0"/>
+              <a:t> melyik osztályban(scriptben) van</a:t>
+            </a:r>
+          </a:p>
+          <a:p>
+            <a:pPr marL="342900" indent="-342900"/>
+            <a:r>
+              <a:rPr lang="hu-HU" dirty="0"/>
+              <a:t>Egyszerűbb kód</a:t>
+            </a:r>
+          </a:p>
+          <a:p>
+            <a:pPr marL="342900" indent="-342900"/>
+            <a:endParaRPr lang="hu-HU" dirty="0"/>
+          </a:p>
+          <a:p>
+            <a:pPr marL="0" indent="0">
+              <a:buNone/>
+            </a:pPr>
+            <a:endParaRPr lang="hu-HU" dirty="0"/>
+          </a:p>
+        </p:txBody>
+      </p:sp>
       <p:sp>
         <p:nvSpPr>
           <p:cNvPr id="2" name="Cím 1"/>
@@ -3348,99 +3248,6 @@
               <a:t>MainModule</a:t>
             </a:r>
             <a:endParaRPr lang="hu-HU" dirty="0"/>
-          </a:p>
-        </p:txBody>
-      </p:sp>
-      <p:pic>
-        <p:nvPicPr>
-          <p:cNvPr id="4" name="Tartalom helye 3"/>
-          <p:cNvPicPr>
-            <a:picLocks noGrp="1" noChangeAspect="1"/>
-          </p:cNvPicPr>
-          <p:nvPr>
-            <p:ph idx="1"/>
-          </p:nvPr>
-        </p:nvPicPr>
-        <p:blipFill>
-          <a:blip r:embed="rId2"/>
-          <a:stretch>
-            <a:fillRect/>
-          </a:stretch>
-        </p:blipFill>
-        <p:spPr>
-          <a:xfrm>
-            <a:off x="6457950" y="365125"/>
-            <a:ext cx="4895850" cy="5962590"/>
-          </a:xfrm>
-          <a:prstGeom prst="rect">
-            <a:avLst/>
-          </a:prstGeom>
-        </p:spPr>
-      </p:pic>
-      <p:sp>
-        <p:nvSpPr>
-          <p:cNvPr id="5" name="Szövegdoboz 4"/>
-          <p:cNvSpPr txBox="1"/>
-          <p:nvPr/>
-        </p:nvSpPr>
-        <p:spPr>
-          <a:xfrm>
-            <a:off x="771525" y="2143125"/>
-            <a:ext cx="5362575" cy="1569660"/>
-          </a:xfrm>
-          <a:prstGeom prst="rect">
-            <a:avLst/>
-          </a:prstGeom>
-          <a:noFill/>
-        </p:spPr>
-        <p:txBody>
-          <a:bodyPr wrap="square" rtlCol="0">
-            <a:spAutoFit/>
-          </a:bodyPr>
-          <a:lstStyle/>
-          <a:p>
-            <a:pPr marL="342900" indent="-342900">
-              <a:buFont typeface="Arial" panose="020B0604020202020204" pitchFamily="34" charset="0"/>
-              <a:buChar char="•"/>
-            </a:pPr>
-            <a:r>
-              <a:rPr lang="hu-HU" sz="2400" dirty="0"/>
-              <a:t>Egységes </a:t>
-            </a:r>
-            <a:r>
-              <a:rPr lang="hu-HU" sz="2400" dirty="0" err="1"/>
-              <a:t>interface</a:t>
-            </a:r>
-            <a:endParaRPr lang="hu-HU" sz="2400" dirty="0"/>
-          </a:p>
-          <a:p>
-            <a:pPr marL="342900" indent="-342900">
-              <a:buFont typeface="Arial" panose="020B0604020202020204" pitchFamily="34" charset="0"/>
-              <a:buChar char="•"/>
-            </a:pPr>
-            <a:r>
-              <a:rPr lang="hu-HU" sz="2400" dirty="0"/>
-              <a:t>Nem kell tudni melyik </a:t>
-            </a:r>
-            <a:r>
-              <a:rPr lang="hu-HU" sz="2400" dirty="0" err="1"/>
-              <a:t>feature</a:t>
-            </a:r>
-            <a:r>
-              <a:rPr lang="hu-HU" sz="2400" dirty="0"/>
-              <a:t> melyik osztályban van</a:t>
-            </a:r>
-          </a:p>
-          <a:p>
-            <a:pPr marL="342900" indent="-342900">
-              <a:buFont typeface="Arial" panose="020B0604020202020204" pitchFamily="34" charset="0"/>
-              <a:buChar char="•"/>
-            </a:pPr>
-            <a:r>
-              <a:rPr lang="hu-HU" sz="2400"/>
-              <a:t>Egyszerűbb kód</a:t>
-            </a:r>
-            <a:endParaRPr lang="hu-HU" sz="2400" dirty="0"/>
           </a:p>
         </p:txBody>
       </p:sp>
@@ -3457,7 +3264,7 @@
 </p:sld>
 </file>
 
-<file path=ppt/slides/slide12.xml><?xml version="1.0" encoding="utf-8"?>
+<file path=ppt/slides/slide11.xml><?xml version="1.0" encoding="utf-8"?>
 <p:sld xmlns:a="http://schemas.openxmlformats.org/drawingml/2006/main" xmlns:r="http://schemas.openxmlformats.org/officeDocument/2006/relationships" xmlns:p="http://schemas.openxmlformats.org/presentationml/2006/main">
   <p:cSld>
     <p:bg>
@@ -3863,12 +3670,8 @@
           <a:lstStyle/>
           <a:p>
             <a:r>
-              <a:rPr lang="hu-HU" sz="6600" dirty="0" err="1"/>
-              <a:t>Wave</a:t>
-            </a:r>
-            <a:r>
               <a:rPr lang="hu-HU" sz="6600" dirty="0"/>
-              <a:t> rendszer</a:t>
+              <a:t>Ellenségek</a:t>
             </a:r>
           </a:p>
         </p:txBody>
@@ -3885,80 +3688,164 @@
         </p:nvSpPr>
         <p:spPr/>
         <p:txBody>
-          <a:bodyPr>
-            <a:normAutofit/>
-          </a:bodyPr>
-          <a:lstStyle/>
-          <a:p>
-            <a:r>
-              <a:rPr lang="hu-HU" sz="3600" dirty="0"/>
-              <a:t>Egyre több ellenség egy </a:t>
-            </a:r>
-            <a:r>
-              <a:rPr lang="hu-HU" sz="3600" dirty="0" err="1"/>
-              <a:t>wave</a:t>
-            </a:r>
-            <a:r>
-              <a:rPr lang="hu-HU" sz="3600" dirty="0"/>
-              <a:t>-ben</a:t>
-            </a:r>
-          </a:p>
-          <a:p>
-            <a:r>
-              <a:rPr lang="hu-HU" sz="3600" dirty="0"/>
-              <a:t>Minden 10. </a:t>
-            </a:r>
-            <a:r>
-              <a:rPr lang="hu-HU" sz="3600" dirty="0" err="1"/>
-              <a:t>wave</a:t>
-            </a:r>
-            <a:r>
-              <a:rPr lang="hu-HU" sz="3600" dirty="0"/>
-              <a:t> után erősödnek az ellenségek</a:t>
-            </a:r>
-          </a:p>
-          <a:p>
-            <a:r>
-              <a:rPr lang="hu-HU" sz="3600" dirty="0"/>
-              <a:t>Az ellenségek száma 10 </a:t>
-            </a:r>
-            <a:r>
-              <a:rPr lang="hu-HU" sz="3600" dirty="0" err="1"/>
-              <a:t>wave-enként</a:t>
-            </a:r>
-            <a:r>
-              <a:rPr lang="hu-HU" sz="3600" dirty="0"/>
-              <a:t> változik</a:t>
-            </a:r>
-          </a:p>
-          <a:p>
-            <a:r>
-              <a:rPr lang="hu-HU" sz="3600" dirty="0"/>
-              <a:t>Pl.: 24. </a:t>
-            </a:r>
-            <a:r>
-              <a:rPr lang="hu-HU" sz="3600" dirty="0" err="1"/>
-              <a:t>wave</a:t>
-            </a:r>
-            <a:r>
-              <a:rPr lang="hu-HU" sz="3600" dirty="0"/>
-              <a:t> ellenségeinek száma = a 4. </a:t>
-            </a:r>
-            <a:r>
-              <a:rPr lang="hu-HU" sz="3600" dirty="0" err="1"/>
-              <a:t>wave</a:t>
-            </a:r>
-            <a:r>
-              <a:rPr lang="hu-HU" sz="3600" dirty="0"/>
-              <a:t>-el</a:t>
-            </a:r>
-          </a:p>
-        </p:txBody>
-      </p:sp>
+          <a:bodyPr/>
+          <a:lstStyle/>
+          <a:p>
+            <a:r>
+              <a:rPr lang="hu-HU" sz="2400" dirty="0"/>
+              <a:t>3 típus</a:t>
+            </a:r>
+          </a:p>
+          <a:p>
+            <a:r>
+              <a:rPr lang="hu-HU" sz="2400" dirty="0"/>
+              <a:t>Különbözőek </a:t>
+            </a:r>
+            <a:r>
+              <a:rPr lang="hu-HU" sz="2400" dirty="0" err="1"/>
+              <a:t>játékmechanikailag</a:t>
+            </a:r>
+            <a:endParaRPr lang="hu-HU" sz="2400" dirty="0"/>
+          </a:p>
+          <a:p>
+            <a:r>
+              <a:rPr lang="hu-HU" sz="2400" dirty="0" err="1"/>
+              <a:t>Enrage</a:t>
+            </a:r>
+            <a:endParaRPr lang="hu-HU" sz="2400" dirty="0"/>
+          </a:p>
+          <a:p>
+            <a:pPr lvl="1"/>
+            <a:r>
+              <a:rPr lang="hu-HU" sz="2000" dirty="0"/>
+              <a:t>Megakadályozza a végtelen </a:t>
+            </a:r>
+            <a:r>
+              <a:rPr lang="hu-HU" sz="2000" dirty="0" err="1"/>
+              <a:t>kite-olást</a:t>
+            </a:r>
+            <a:endParaRPr lang="hu-HU" sz="2000" dirty="0"/>
+          </a:p>
+          <a:p>
+            <a:r>
+              <a:rPr lang="hu-HU" sz="2400" dirty="0"/>
+              <a:t>Közelharci, távolsági, területi sebzés</a:t>
+            </a:r>
+          </a:p>
+          <a:p>
+            <a:endParaRPr lang="hu-HU" sz="2400" dirty="0"/>
+          </a:p>
+          <a:p>
+            <a:endParaRPr lang="hu-HU" dirty="0"/>
+          </a:p>
+          <a:p>
+            <a:endParaRPr lang="hu-HU" dirty="0"/>
+          </a:p>
+        </p:txBody>
+      </p:sp>
+      <p:pic>
+        <p:nvPicPr>
+          <p:cNvPr id="4" name="Kép 3"/>
+          <p:cNvPicPr/>
+          <p:nvPr/>
+        </p:nvPicPr>
+        <p:blipFill>
+          <a:blip r:embed="rId2">
+            <a:extLst>
+              <a:ext uri="{28A0092B-C50C-407E-A947-70E740481C1C}">
+                <a14:useLocalDpi xmlns:a14="http://schemas.microsoft.com/office/drawing/2010/main" val="0"/>
+              </a:ext>
+            </a:extLst>
+          </a:blip>
+          <a:srcRect/>
+          <a:stretch>
+            <a:fillRect/>
+          </a:stretch>
+        </p:blipFill>
+        <p:spPr bwMode="auto">
+          <a:xfrm>
+            <a:off x="2880280" y="4443413"/>
+            <a:ext cx="1806258" cy="1733550"/>
+          </a:xfrm>
+          <a:prstGeom prst="rect">
+            <a:avLst/>
+          </a:prstGeom>
+          <a:noFill/>
+          <a:ln>
+            <a:noFill/>
+          </a:ln>
+        </p:spPr>
+      </p:pic>
+      <p:pic>
+        <p:nvPicPr>
+          <p:cNvPr id="5" name="Kép 4"/>
+          <p:cNvPicPr/>
+          <p:nvPr/>
+        </p:nvPicPr>
+        <p:blipFill>
+          <a:blip r:embed="rId3">
+            <a:extLst>
+              <a:ext uri="{28A0092B-C50C-407E-A947-70E740481C1C}">
+                <a14:useLocalDpi xmlns:a14="http://schemas.microsoft.com/office/drawing/2010/main" val="0"/>
+              </a:ext>
+            </a:extLst>
+          </a:blip>
+          <a:srcRect/>
+          <a:stretch>
+            <a:fillRect/>
+          </a:stretch>
+        </p:blipFill>
+        <p:spPr bwMode="auto">
+          <a:xfrm>
+            <a:off x="761365" y="4443413"/>
+            <a:ext cx="1772920" cy="1733550"/>
+          </a:xfrm>
+          <a:prstGeom prst="rect">
+            <a:avLst/>
+          </a:prstGeom>
+          <a:noFill/>
+          <a:ln>
+            <a:noFill/>
+          </a:ln>
+        </p:spPr>
+      </p:pic>
+      <p:pic>
+        <p:nvPicPr>
+          <p:cNvPr id="6" name="Kép 5"/>
+          <p:cNvPicPr/>
+          <p:nvPr/>
+        </p:nvPicPr>
+        <p:blipFill>
+          <a:blip r:embed="rId4">
+            <a:extLst>
+              <a:ext uri="{28A0092B-C50C-407E-A947-70E740481C1C}">
+                <a14:useLocalDpi xmlns:a14="http://schemas.microsoft.com/office/drawing/2010/main" val="0"/>
+              </a:ext>
+            </a:extLst>
+          </a:blip>
+          <a:srcRect/>
+          <a:stretch>
+            <a:fillRect/>
+          </a:stretch>
+        </p:blipFill>
+        <p:spPr bwMode="auto">
+          <a:xfrm>
+            <a:off x="5032533" y="3910648"/>
+            <a:ext cx="1939925" cy="2266315"/>
+          </a:xfrm>
+          <a:prstGeom prst="rect">
+            <a:avLst/>
+          </a:prstGeom>
+          <a:noFill/>
+          <a:ln>
+            <a:noFill/>
+          </a:ln>
+        </p:spPr>
+      </p:pic>
     </p:spTree>
     <p:extLst>
       <p:ext uri="{BB962C8B-B14F-4D97-AF65-F5344CB8AC3E}">
-        <p14:creationId xmlns:p14="http://schemas.microsoft.com/office/powerpoint/2010/main" val="1009626683"/>
+        <p14:creationId xmlns:p14="http://schemas.microsoft.com/office/powerpoint/2010/main" val="1177599948"/>
       </p:ext>
     </p:extLst>
   </p:cSld>
@@ -4037,8 +3924,12 @@
           <a:lstStyle/>
           <a:p>
             <a:r>
+              <a:rPr lang="hu-HU" sz="6600" dirty="0" err="1"/>
+              <a:t>Wave</a:t>
+            </a:r>
+            <a:r>
               <a:rPr lang="hu-HU" sz="6600" dirty="0"/>
-              <a:t>Ellenségek</a:t>
+              <a:t> rendszer</a:t>
             </a:r>
           </a:p>
         </p:txBody>
@@ -4055,139 +3946,80 @@
         </p:nvSpPr>
         <p:spPr/>
         <p:txBody>
-          <a:bodyPr/>
-          <a:lstStyle/>
-          <a:p>
-            <a:r>
-              <a:rPr lang="hu-HU" dirty="0"/>
-              <a:t>3 típus</a:t>
-            </a:r>
-          </a:p>
-          <a:p>
-            <a:r>
-              <a:rPr lang="hu-HU" dirty="0"/>
-              <a:t>Különbözőek </a:t>
-            </a:r>
-            <a:r>
-              <a:rPr lang="hu-HU" dirty="0" err="1"/>
-              <a:t>játékmechanikailag</a:t>
-            </a:r>
-            <a:endParaRPr lang="hu-HU" dirty="0"/>
-          </a:p>
-          <a:p>
-            <a:r>
-              <a:rPr lang="hu-HU" dirty="0"/>
-              <a:t>Közelharci, távolsági, területi sebzés</a:t>
-            </a:r>
-          </a:p>
-          <a:p>
-            <a:endParaRPr lang="hu-HU" dirty="0"/>
-          </a:p>
-        </p:txBody>
-      </p:sp>
-      <p:pic>
-        <p:nvPicPr>
-          <p:cNvPr id="4" name="Kép 3"/>
-          <p:cNvPicPr/>
-          <p:nvPr/>
-        </p:nvPicPr>
-        <p:blipFill>
-          <a:blip r:embed="rId2">
-            <a:extLst>
-              <a:ext uri="{28A0092B-C50C-407E-A947-70E740481C1C}">
-                <a14:useLocalDpi xmlns:a14="http://schemas.microsoft.com/office/drawing/2010/main" val="0"/>
-              </a:ext>
-            </a:extLst>
-          </a:blip>
-          <a:srcRect/>
-          <a:stretch>
-            <a:fillRect/>
-          </a:stretch>
-        </p:blipFill>
-        <p:spPr bwMode="auto">
-          <a:xfrm>
-            <a:off x="2880280" y="3452495"/>
-            <a:ext cx="1806258" cy="1733550"/>
-          </a:xfrm>
-          <a:prstGeom prst="rect">
-            <a:avLst/>
-          </a:prstGeom>
-          <a:noFill/>
-          <a:ln>
-            <a:noFill/>
-          </a:ln>
-        </p:spPr>
-      </p:pic>
-      <p:pic>
-        <p:nvPicPr>
-          <p:cNvPr id="5" name="Kép 4"/>
-          <p:cNvPicPr/>
-          <p:nvPr/>
-        </p:nvPicPr>
-        <p:blipFill>
-          <a:blip r:embed="rId3">
-            <a:extLst>
-              <a:ext uri="{28A0092B-C50C-407E-A947-70E740481C1C}">
-                <a14:useLocalDpi xmlns:a14="http://schemas.microsoft.com/office/drawing/2010/main" val="0"/>
-              </a:ext>
-            </a:extLst>
-          </a:blip>
-          <a:srcRect/>
-          <a:stretch>
-            <a:fillRect/>
-          </a:stretch>
-        </p:blipFill>
-        <p:spPr bwMode="auto">
-          <a:xfrm>
-            <a:off x="761365" y="3452495"/>
-            <a:ext cx="1772920" cy="1733550"/>
-          </a:xfrm>
-          <a:prstGeom prst="rect">
-            <a:avLst/>
-          </a:prstGeom>
-          <a:noFill/>
-          <a:ln>
-            <a:noFill/>
-          </a:ln>
-        </p:spPr>
-      </p:pic>
-      <p:pic>
-        <p:nvPicPr>
-          <p:cNvPr id="6" name="Kép 5"/>
-          <p:cNvPicPr/>
-          <p:nvPr/>
-        </p:nvPicPr>
-        <p:blipFill>
-          <a:blip r:embed="rId4">
-            <a:extLst>
-              <a:ext uri="{28A0092B-C50C-407E-A947-70E740481C1C}">
-                <a14:useLocalDpi xmlns:a14="http://schemas.microsoft.com/office/drawing/2010/main" val="0"/>
-              </a:ext>
-            </a:extLst>
-          </a:blip>
-          <a:srcRect/>
-          <a:stretch>
-            <a:fillRect/>
-          </a:stretch>
-        </p:blipFill>
-        <p:spPr bwMode="auto">
-          <a:xfrm>
-            <a:off x="5032533" y="3452495"/>
-            <a:ext cx="1939925" cy="2266315"/>
-          </a:xfrm>
-          <a:prstGeom prst="rect">
-            <a:avLst/>
-          </a:prstGeom>
-          <a:noFill/>
-          <a:ln>
-            <a:noFill/>
-          </a:ln>
-        </p:spPr>
-      </p:pic>
+          <a:bodyPr>
+            <a:normAutofit/>
+          </a:bodyPr>
+          <a:lstStyle/>
+          <a:p>
+            <a:r>
+              <a:rPr lang="hu-HU" sz="3600" dirty="0"/>
+              <a:t>Egyre több ellenség egy </a:t>
+            </a:r>
+            <a:r>
+              <a:rPr lang="hu-HU" sz="3600" dirty="0" err="1"/>
+              <a:t>wave</a:t>
+            </a:r>
+            <a:r>
+              <a:rPr lang="hu-HU" sz="3600" dirty="0"/>
+              <a:t>-ben</a:t>
+            </a:r>
+          </a:p>
+          <a:p>
+            <a:r>
+              <a:rPr lang="hu-HU" sz="3600" dirty="0"/>
+              <a:t>Minden 10. </a:t>
+            </a:r>
+            <a:r>
+              <a:rPr lang="hu-HU" sz="3600" dirty="0" err="1"/>
+              <a:t>wave</a:t>
+            </a:r>
+            <a:r>
+              <a:rPr lang="hu-HU" sz="3600" dirty="0"/>
+              <a:t> után erősödnek az ellenségek</a:t>
+            </a:r>
+          </a:p>
+          <a:p>
+            <a:r>
+              <a:rPr lang="hu-HU" sz="3600" dirty="0"/>
+              <a:t>Az ellenségek száma 10 </a:t>
+            </a:r>
+            <a:r>
+              <a:rPr lang="hu-HU" sz="3600" dirty="0" err="1"/>
+              <a:t>wave-enként</a:t>
+            </a:r>
+            <a:r>
+              <a:rPr lang="hu-HU" sz="3600" dirty="0"/>
+              <a:t> változik</a:t>
+            </a:r>
+          </a:p>
+          <a:p>
+            <a:r>
+              <a:rPr lang="hu-HU" sz="3600" dirty="0"/>
+              <a:t>Pl.: 24. </a:t>
+            </a:r>
+            <a:r>
+              <a:rPr lang="hu-HU" sz="3600" dirty="0" err="1"/>
+              <a:t>wave</a:t>
+            </a:r>
+            <a:r>
+              <a:rPr lang="hu-HU" sz="3600" dirty="0"/>
+              <a:t> ellenségeinek száma = a 4. </a:t>
+            </a:r>
+            <a:r>
+              <a:rPr lang="hu-HU" sz="3600" dirty="0" err="1"/>
+              <a:t>wave</a:t>
+            </a:r>
+            <a:r>
+              <a:rPr lang="hu-HU" sz="3600" dirty="0"/>
+              <a:t>-el</a:t>
+            </a:r>
+          </a:p>
+        </p:txBody>
+      </p:sp>
     </p:spTree>
     <p:extLst>
       <p:ext uri="{BB962C8B-B14F-4D97-AF65-F5344CB8AC3E}">
-        <p14:creationId xmlns:p14="http://schemas.microsoft.com/office/powerpoint/2010/main" val="1177599948"/>
+        <p14:creationId xmlns:p14="http://schemas.microsoft.com/office/powerpoint/2010/main" val="1009626683"/>
       </p:ext>
     </p:extLst>
   </p:cSld>
@@ -4725,6 +4557,13 @@
               <a:t>Billentyű figyelése</a:t>
             </a:r>
           </a:p>
+          <a:p>
+            <a:pPr lvl="1"/>
+            <a:r>
+              <a:rPr lang="hu-HU" dirty="0"/>
+              <a:t>Szintkövetelmény</a:t>
+            </a:r>
+          </a:p>
         </p:txBody>
       </p:sp>
     </p:spTree>
@@ -4745,9 +4584,35 @@
   <p:cSld>
     <p:bg>
       <p:bgPr>
-        <a:solidFill>
-          <a:schemeClr val="bg1"/>
-        </a:solidFill>
+        <a:gradFill>
+          <a:gsLst>
+            <a:gs pos="0">
+              <a:schemeClr val="accent1">
+                <a:lumMod val="5000"/>
+                <a:lumOff val="95000"/>
+              </a:schemeClr>
+            </a:gs>
+            <a:gs pos="74000">
+              <a:schemeClr val="accent1">
+                <a:lumMod val="45000"/>
+                <a:lumOff val="55000"/>
+              </a:schemeClr>
+            </a:gs>
+            <a:gs pos="83000">
+              <a:schemeClr val="accent1">
+                <a:lumMod val="45000"/>
+                <a:lumOff val="55000"/>
+              </a:schemeClr>
+            </a:gs>
+            <a:gs pos="100000">
+              <a:schemeClr val="accent1">
+                <a:lumMod val="30000"/>
+                <a:lumOff val="70000"/>
+              </a:schemeClr>
+            </a:gs>
+          </a:gsLst>
+          <a:lin ang="5400000" scaled="1"/>
+        </a:gradFill>
         <a:effectLst/>
       </p:bgPr>
     </p:bg>
@@ -4780,40 +4645,111 @@
           <a:bodyPr/>
           <a:lstStyle/>
           <a:p>
-            <a:endParaRPr lang="hu-HU" dirty="0"/>
-          </a:p>
-        </p:txBody>
-      </p:sp>
-      <p:pic>
-        <p:nvPicPr>
-          <p:cNvPr id="4" name="Tartalom helye 3"/>
-          <p:cNvPicPr>
-            <a:picLocks noGrp="1" noChangeAspect="1"/>
-          </p:cNvPicPr>
+            <a:r>
+              <a:rPr lang="hu-HU" dirty="0"/>
+              <a:t>Új képesség létrehozása</a:t>
+            </a:r>
+          </a:p>
+        </p:txBody>
+      </p:sp>
+      <p:sp>
+        <p:nvSpPr>
+          <p:cNvPr id="3" name="Tartalom helye 2"/>
+          <p:cNvSpPr>
+            <a:spLocks noGrp="1"/>
+          </p:cNvSpPr>
           <p:nvPr>
             <p:ph idx="1"/>
           </p:nvPr>
-        </p:nvPicPr>
-        <p:blipFill>
-          <a:blip r:embed="rId2"/>
-          <a:stretch>
-            <a:fillRect/>
-          </a:stretch>
-        </p:blipFill>
+        </p:nvSpPr>
         <p:spPr>
-          <a:xfrm>
-            <a:off x="1986805" y="594804"/>
-            <a:ext cx="6733670" cy="5582159"/>
-          </a:xfrm>
-          <a:prstGeom prst="rect">
-            <a:avLst/>
-          </a:prstGeom>
+          <a:noFill/>
         </p:spPr>
-      </p:pic>
+        <p:txBody>
+          <a:bodyPr>
+            <a:normAutofit/>
+          </a:bodyPr>
+          <a:lstStyle/>
+          <a:p>
+            <a:r>
+              <a:rPr lang="hu-HU" sz="2400" dirty="0" err="1"/>
+              <a:t>Player</a:t>
+            </a:r>
+            <a:r>
+              <a:rPr lang="hu-HU" sz="2400" dirty="0"/>
+              <a:t> </a:t>
+            </a:r>
+            <a:r>
+              <a:rPr lang="hu-HU" sz="2400" dirty="0" err="1"/>
+              <a:t>GameObject-hez</a:t>
+            </a:r>
+            <a:r>
+              <a:rPr lang="hu-HU" sz="2400" dirty="0"/>
+              <a:t> új script hozzáadása az </a:t>
+            </a:r>
+            <a:r>
+              <a:rPr lang="hu-HU" sz="2400" dirty="0" err="1"/>
+              <a:t>Ability-ból</a:t>
+            </a:r>
+            <a:r>
+              <a:rPr lang="hu-HU" sz="2400" dirty="0"/>
+              <a:t> származtatva</a:t>
+            </a:r>
+          </a:p>
+          <a:p>
+            <a:r>
+              <a:rPr lang="hu-HU" sz="2400" dirty="0"/>
+              <a:t>Az </a:t>
+            </a:r>
+            <a:r>
+              <a:rPr lang="hu-HU" sz="2400" dirty="0" err="1"/>
+              <a:t>Activate</a:t>
+            </a:r>
+            <a:r>
+              <a:rPr lang="hu-HU" sz="2400" dirty="0"/>
+              <a:t>() megírása</a:t>
+            </a:r>
+          </a:p>
+          <a:p>
+            <a:r>
+              <a:rPr lang="hu-HU" sz="2400" dirty="0"/>
+              <a:t>Az UI-n új ikon létrehozása</a:t>
+            </a:r>
+          </a:p>
+          <a:p>
+            <a:r>
+              <a:rPr lang="hu-HU" sz="2400" dirty="0"/>
+              <a:t>A képesség </a:t>
+            </a:r>
+            <a:r>
+              <a:rPr lang="hu-HU" sz="2400" dirty="0" err="1"/>
+              <a:t>GameObject</a:t>
+            </a:r>
+            <a:r>
+              <a:rPr lang="hu-HU" sz="2400" dirty="0"/>
+              <a:t> létrehozása</a:t>
+            </a:r>
+          </a:p>
+          <a:p>
+            <a:pPr lvl="1"/>
+            <a:r>
+              <a:rPr lang="hu-HU" sz="2000" dirty="0"/>
+              <a:t>Ez tartalmazza a képesség mechanikáját</a:t>
+            </a:r>
+          </a:p>
+          <a:p>
+            <a:pPr lvl="1"/>
+            <a:r>
+              <a:rPr lang="hu-HU" sz="2000" dirty="0"/>
+              <a:t>Aktiváláskor ezt hozzuk létre</a:t>
+            </a:r>
+          </a:p>
+        </p:txBody>
+      </p:sp>
     </p:spTree>
     <p:extLst>
       <p:ext uri="{BB962C8B-B14F-4D97-AF65-F5344CB8AC3E}">
-        <p14:creationId xmlns:p14="http://schemas.microsoft.com/office/powerpoint/2010/main" val="58061205"/>
+        <p14:creationId xmlns:p14="http://schemas.microsoft.com/office/powerpoint/2010/main" val="1395553986"/>
       </p:ext>
     </p:extLst>
   </p:cSld>

--- a/Előadás.pptx
+++ b/Előadás.pptx
@@ -8,14 +8,15 @@
     <p:sldId id="256" r:id="rId2"/>
     <p:sldId id="257" r:id="rId3"/>
     <p:sldId id="258" r:id="rId4"/>
-    <p:sldId id="261" r:id="rId5"/>
-    <p:sldId id="259" r:id="rId6"/>
-    <p:sldId id="260" r:id="rId7"/>
-    <p:sldId id="263" r:id="rId8"/>
-    <p:sldId id="262" r:id="rId9"/>
-    <p:sldId id="265" r:id="rId10"/>
-    <p:sldId id="266" r:id="rId11"/>
-    <p:sldId id="267" r:id="rId12"/>
+    <p:sldId id="268" r:id="rId5"/>
+    <p:sldId id="261" r:id="rId6"/>
+    <p:sldId id="259" r:id="rId7"/>
+    <p:sldId id="260" r:id="rId8"/>
+    <p:sldId id="263" r:id="rId9"/>
+    <p:sldId id="262" r:id="rId10"/>
+    <p:sldId id="265" r:id="rId11"/>
+    <p:sldId id="266" r:id="rId12"/>
+    <p:sldId id="267" r:id="rId13"/>
   </p:sldIdLst>
   <p:sldSz cx="12192000" cy="6858000"/>
   <p:notesSz cx="6858000" cy="9144000"/>
@@ -3149,6 +3150,186 @@
       </p:grpSpPr>
       <p:sp>
         <p:nvSpPr>
+          <p:cNvPr id="2" name="Cím 1"/>
+          <p:cNvSpPr>
+            <a:spLocks noGrp="1"/>
+          </p:cNvSpPr>
+          <p:nvPr>
+            <p:ph type="title"/>
+          </p:nvPr>
+        </p:nvSpPr>
+        <p:spPr/>
+        <p:txBody>
+          <a:bodyPr/>
+          <a:lstStyle/>
+          <a:p>
+            <a:r>
+              <a:rPr lang="hu-HU" dirty="0"/>
+              <a:t>Új képesség létrehozása</a:t>
+            </a:r>
+          </a:p>
+        </p:txBody>
+      </p:sp>
+      <p:sp>
+        <p:nvSpPr>
+          <p:cNvPr id="3" name="Tartalom helye 2"/>
+          <p:cNvSpPr>
+            <a:spLocks noGrp="1"/>
+          </p:cNvSpPr>
+          <p:nvPr>
+            <p:ph idx="1"/>
+          </p:nvPr>
+        </p:nvSpPr>
+        <p:spPr>
+          <a:noFill/>
+        </p:spPr>
+        <p:txBody>
+          <a:bodyPr>
+            <a:normAutofit/>
+          </a:bodyPr>
+          <a:lstStyle/>
+          <a:p>
+            <a:r>
+              <a:rPr lang="hu-HU" sz="2400" dirty="0" err="1"/>
+              <a:t>Player</a:t>
+            </a:r>
+            <a:r>
+              <a:rPr lang="hu-HU" sz="2400" dirty="0"/>
+              <a:t> </a:t>
+            </a:r>
+            <a:r>
+              <a:rPr lang="hu-HU" sz="2400" dirty="0" err="1"/>
+              <a:t>GameObject-hez</a:t>
+            </a:r>
+            <a:r>
+              <a:rPr lang="hu-HU" sz="2400" dirty="0"/>
+              <a:t> új script hozzáadása az </a:t>
+            </a:r>
+            <a:r>
+              <a:rPr lang="hu-HU" sz="2400" dirty="0" err="1"/>
+              <a:t>Ability-ból</a:t>
+            </a:r>
+            <a:r>
+              <a:rPr lang="hu-HU" sz="2400" dirty="0"/>
+              <a:t> származtatva</a:t>
+            </a:r>
+          </a:p>
+          <a:p>
+            <a:r>
+              <a:rPr lang="hu-HU" sz="2400" dirty="0"/>
+              <a:t>Az </a:t>
+            </a:r>
+            <a:r>
+              <a:rPr lang="hu-HU" sz="2400" dirty="0" err="1"/>
+              <a:t>Activate</a:t>
+            </a:r>
+            <a:r>
+              <a:rPr lang="hu-HU" sz="2400" dirty="0"/>
+              <a:t>() megírása</a:t>
+            </a:r>
+          </a:p>
+          <a:p>
+            <a:r>
+              <a:rPr lang="hu-HU" sz="2400" dirty="0"/>
+              <a:t>Az UI-n új ikon létrehozása</a:t>
+            </a:r>
+          </a:p>
+          <a:p>
+            <a:r>
+              <a:rPr lang="hu-HU" sz="2400" dirty="0"/>
+              <a:t>A képesség </a:t>
+            </a:r>
+            <a:r>
+              <a:rPr lang="hu-HU" sz="2400" dirty="0" err="1"/>
+              <a:t>GameObject</a:t>
+            </a:r>
+            <a:r>
+              <a:rPr lang="hu-HU" sz="2400" dirty="0"/>
+              <a:t> létrehozása</a:t>
+            </a:r>
+          </a:p>
+          <a:p>
+            <a:pPr lvl="1"/>
+            <a:r>
+              <a:rPr lang="hu-HU" sz="2000" dirty="0"/>
+              <a:t>Ez tartalmazza a képesség mechanikáját</a:t>
+            </a:r>
+          </a:p>
+          <a:p>
+            <a:pPr lvl="1"/>
+            <a:r>
+              <a:rPr lang="hu-HU" sz="2000" dirty="0"/>
+              <a:t>Aktiváláskor ezt hozzuk létre</a:t>
+            </a:r>
+          </a:p>
+        </p:txBody>
+      </p:sp>
+    </p:spTree>
+    <p:extLst>
+      <p:ext uri="{BB962C8B-B14F-4D97-AF65-F5344CB8AC3E}">
+        <p14:creationId xmlns:p14="http://schemas.microsoft.com/office/powerpoint/2010/main" val="1395553986"/>
+      </p:ext>
+    </p:extLst>
+  </p:cSld>
+  <p:clrMapOvr>
+    <a:masterClrMapping/>
+  </p:clrMapOvr>
+</p:sld>
+</file>
+
+<file path=ppt/slides/slide11.xml><?xml version="1.0" encoding="utf-8"?>
+<p:sld xmlns:a="http://schemas.openxmlformats.org/drawingml/2006/main" xmlns:r="http://schemas.openxmlformats.org/officeDocument/2006/relationships" xmlns:p="http://schemas.openxmlformats.org/presentationml/2006/main">
+  <p:cSld>
+    <p:bg>
+      <p:bgPr>
+        <a:gradFill>
+          <a:gsLst>
+            <a:gs pos="0">
+              <a:schemeClr val="accent1">
+                <a:lumMod val="5000"/>
+                <a:lumOff val="95000"/>
+              </a:schemeClr>
+            </a:gs>
+            <a:gs pos="74000">
+              <a:schemeClr val="accent1">
+                <a:lumMod val="45000"/>
+                <a:lumOff val="55000"/>
+              </a:schemeClr>
+            </a:gs>
+            <a:gs pos="83000">
+              <a:schemeClr val="accent1">
+                <a:lumMod val="45000"/>
+                <a:lumOff val="55000"/>
+              </a:schemeClr>
+            </a:gs>
+            <a:gs pos="100000">
+              <a:schemeClr val="accent1">
+                <a:lumMod val="30000"/>
+                <a:lumOff val="70000"/>
+              </a:schemeClr>
+            </a:gs>
+          </a:gsLst>
+          <a:lin ang="5400000" scaled="1"/>
+        </a:gradFill>
+        <a:effectLst/>
+      </p:bgPr>
+    </p:bg>
+    <p:spTree>
+      <p:nvGrpSpPr>
+        <p:cNvPr id="1" name=""/>
+        <p:cNvGrpSpPr/>
+        <p:nvPr/>
+      </p:nvGrpSpPr>
+      <p:grpSpPr>
+        <a:xfrm>
+          <a:off x="0" y="0"/>
+          <a:ext cx="0" cy="0"/>
+          <a:chOff x="0" y="0"/>
+          <a:chExt cx="0" cy="0"/>
+        </a:xfrm>
+      </p:grpSpPr>
+      <p:sp>
+        <p:nvSpPr>
           <p:cNvPr id="3" name="Tartalom helye 2"/>
           <p:cNvSpPr>
             <a:spLocks noGrp="1"/>
@@ -3264,7 +3445,7 @@
 </p:sld>
 </file>
 
-<file path=ppt/slides/slide11.xml><?xml version="1.0" encoding="utf-8"?>
+<file path=ppt/slides/slide12.xml><?xml version="1.0" encoding="utf-8"?>
 <p:sld xmlns:a="http://schemas.openxmlformats.org/drawingml/2006/main" xmlns:r="http://schemas.openxmlformats.org/officeDocument/2006/relationships" xmlns:p="http://schemas.openxmlformats.org/presentationml/2006/main">
   <p:cSld>
     <p:bg>
@@ -3602,6 +3783,240 @@
 </file>
 
 <file path=ppt/slides/slide4.xml><?xml version="1.0" encoding="utf-8"?>
+<p:sld xmlns:a="http://schemas.openxmlformats.org/drawingml/2006/main" xmlns:r="http://schemas.openxmlformats.org/officeDocument/2006/relationships" xmlns:p="http://schemas.openxmlformats.org/presentationml/2006/main">
+  <p:cSld>
+    <p:bg>
+      <p:bgPr>
+        <a:gradFill>
+          <a:gsLst>
+            <a:gs pos="0">
+              <a:schemeClr val="accent1">
+                <a:lumMod val="5000"/>
+                <a:lumOff val="95000"/>
+              </a:schemeClr>
+            </a:gs>
+            <a:gs pos="74000">
+              <a:schemeClr val="accent1">
+                <a:lumMod val="45000"/>
+                <a:lumOff val="55000"/>
+              </a:schemeClr>
+            </a:gs>
+            <a:gs pos="83000">
+              <a:schemeClr val="accent1">
+                <a:lumMod val="45000"/>
+                <a:lumOff val="55000"/>
+              </a:schemeClr>
+            </a:gs>
+            <a:gs pos="100000">
+              <a:schemeClr val="accent1">
+                <a:lumMod val="30000"/>
+                <a:lumOff val="70000"/>
+              </a:schemeClr>
+            </a:gs>
+          </a:gsLst>
+          <a:lin ang="5400000" scaled="1"/>
+        </a:gradFill>
+        <a:effectLst/>
+      </p:bgPr>
+    </p:bg>
+    <p:spTree>
+      <p:nvGrpSpPr>
+        <p:cNvPr id="1" name=""/>
+        <p:cNvGrpSpPr/>
+        <p:nvPr/>
+      </p:nvGrpSpPr>
+      <p:grpSpPr>
+        <a:xfrm>
+          <a:off x="0" y="0"/>
+          <a:ext cx="0" cy="0"/>
+          <a:chOff x="0" y="0"/>
+          <a:chExt cx="0" cy="0"/>
+        </a:xfrm>
+      </p:grpSpPr>
+      <p:sp>
+        <p:nvSpPr>
+          <p:cNvPr id="2" name="Cím 1"/>
+          <p:cNvSpPr>
+            <a:spLocks noGrp="1"/>
+          </p:cNvSpPr>
+          <p:nvPr>
+            <p:ph type="title"/>
+          </p:nvPr>
+        </p:nvSpPr>
+        <p:spPr/>
+        <p:txBody>
+          <a:bodyPr/>
+          <a:lstStyle/>
+          <a:p>
+            <a:r>
+              <a:rPr lang="hu-HU" dirty="0"/>
+              <a:t>Aktív pályaelemek</a:t>
+            </a:r>
+          </a:p>
+        </p:txBody>
+      </p:sp>
+      <p:sp>
+        <p:nvSpPr>
+          <p:cNvPr id="3" name="Tartalom helye 2"/>
+          <p:cNvSpPr>
+            <a:spLocks noGrp="1"/>
+          </p:cNvSpPr>
+          <p:nvPr>
+            <p:ph idx="1"/>
+          </p:nvPr>
+        </p:nvSpPr>
+        <p:spPr/>
+        <p:txBody>
+          <a:bodyPr/>
+          <a:lstStyle/>
+          <a:p>
+            <a:r>
+              <a:rPr lang="hu-HU" dirty="0" err="1"/>
+              <a:t>Trap</a:t>
+            </a:r>
+            <a:endParaRPr lang="hu-HU" dirty="0"/>
+          </a:p>
+          <a:p>
+            <a:pPr lvl="1"/>
+            <a:r>
+              <a:rPr lang="hu-HU" dirty="0"/>
+              <a:t>Minden karaktert sebez</a:t>
+            </a:r>
+          </a:p>
+          <a:p>
+            <a:pPr lvl="1"/>
+            <a:r>
+              <a:rPr lang="hu-HU" dirty="0"/>
+              <a:t>Kis időközönként sebez</a:t>
+            </a:r>
+          </a:p>
+          <a:p>
+            <a:pPr lvl="1"/>
+            <a:r>
+              <a:rPr lang="hu-HU" dirty="0"/>
+              <a:t>Jelzi villanással</a:t>
+            </a:r>
+          </a:p>
+          <a:p>
+            <a:r>
+              <a:rPr lang="hu-HU" dirty="0" err="1"/>
+              <a:t>Heal</a:t>
+            </a:r>
+            <a:r>
+              <a:rPr lang="hu-HU" dirty="0"/>
+              <a:t> </a:t>
+            </a:r>
+            <a:r>
+              <a:rPr lang="hu-HU" dirty="0" err="1"/>
+              <a:t>globe</a:t>
+            </a:r>
+            <a:endParaRPr lang="hu-HU" dirty="0"/>
+          </a:p>
+          <a:p>
+            <a:pPr lvl="1"/>
+            <a:r>
+              <a:rPr lang="hu-HU" dirty="0"/>
+              <a:t>Csak a </a:t>
+            </a:r>
+            <a:r>
+              <a:rPr lang="hu-HU" dirty="0" err="1"/>
+              <a:t>playert</a:t>
+            </a:r>
+            <a:r>
+              <a:rPr lang="hu-HU" dirty="0"/>
+              <a:t> </a:t>
+            </a:r>
+            <a:r>
+              <a:rPr lang="hu-HU" dirty="0" err="1"/>
+              <a:t>heal-eli</a:t>
+            </a:r>
+            <a:endParaRPr lang="hu-HU" dirty="0"/>
+          </a:p>
+          <a:p>
+            <a:pPr lvl="1"/>
+            <a:r>
+              <a:rPr lang="hu-HU" dirty="0"/>
+              <a:t>Van </a:t>
+            </a:r>
+            <a:r>
+              <a:rPr lang="hu-HU" dirty="0" err="1"/>
+              <a:t>újratöltési</a:t>
+            </a:r>
+            <a:r>
+              <a:rPr lang="hu-HU" dirty="0"/>
+              <a:t> ideje</a:t>
+            </a:r>
+          </a:p>
+          <a:p>
+            <a:pPr marL="457200" lvl="1" indent="0">
+              <a:buNone/>
+            </a:pPr>
+            <a:endParaRPr lang="hu-HU" dirty="0"/>
+          </a:p>
+        </p:txBody>
+      </p:sp>
+      <p:pic>
+        <p:nvPicPr>
+          <p:cNvPr id="4" name="Kép 3"/>
+          <p:cNvPicPr>
+            <a:picLocks noChangeAspect="1"/>
+          </p:cNvPicPr>
+          <p:nvPr/>
+        </p:nvPicPr>
+        <p:blipFill>
+          <a:blip r:embed="rId2"/>
+          <a:stretch>
+            <a:fillRect/>
+          </a:stretch>
+        </p:blipFill>
+        <p:spPr>
+          <a:xfrm>
+            <a:off x="5434012" y="2043112"/>
+            <a:ext cx="1495425" cy="981075"/>
+          </a:xfrm>
+          <a:prstGeom prst="rect">
+            <a:avLst/>
+          </a:prstGeom>
+        </p:spPr>
+      </p:pic>
+      <p:pic>
+        <p:nvPicPr>
+          <p:cNvPr id="5" name="Kép 4"/>
+          <p:cNvPicPr>
+            <a:picLocks noChangeAspect="1"/>
+          </p:cNvPicPr>
+          <p:nvPr/>
+        </p:nvPicPr>
+        <p:blipFill>
+          <a:blip r:embed="rId3"/>
+          <a:stretch>
+            <a:fillRect/>
+          </a:stretch>
+        </p:blipFill>
+        <p:spPr>
+          <a:xfrm>
+            <a:off x="5434012" y="3805237"/>
+            <a:ext cx="1038225" cy="1057275"/>
+          </a:xfrm>
+          <a:prstGeom prst="rect">
+            <a:avLst/>
+          </a:prstGeom>
+        </p:spPr>
+      </p:pic>
+    </p:spTree>
+    <p:extLst>
+      <p:ext uri="{BB962C8B-B14F-4D97-AF65-F5344CB8AC3E}">
+        <p14:creationId xmlns:p14="http://schemas.microsoft.com/office/powerpoint/2010/main" val="2315954662"/>
+      </p:ext>
+    </p:extLst>
+  </p:cSld>
+  <p:clrMapOvr>
+    <a:masterClrMapping/>
+  </p:clrMapOvr>
+</p:sld>
+</file>
+
+<file path=ppt/slides/slide5.xml><?xml version="1.0" encoding="utf-8"?>
 <p:sld xmlns:a="http://schemas.openxmlformats.org/drawingml/2006/main" xmlns:r="http://schemas.openxmlformats.org/officeDocument/2006/relationships" xmlns:p="http://schemas.openxmlformats.org/presentationml/2006/main">
   <p:cSld>
     <p:bg>
@@ -3855,180 +4270,6 @@
 </p:sld>
 </file>
 
-<file path=ppt/slides/slide5.xml><?xml version="1.0" encoding="utf-8"?>
-<p:sld xmlns:a="http://schemas.openxmlformats.org/drawingml/2006/main" xmlns:r="http://schemas.openxmlformats.org/officeDocument/2006/relationships" xmlns:p="http://schemas.openxmlformats.org/presentationml/2006/main">
-  <p:cSld>
-    <p:bg>
-      <p:bgPr>
-        <a:gradFill>
-          <a:gsLst>
-            <a:gs pos="0">
-              <a:schemeClr val="accent1">
-                <a:lumMod val="5000"/>
-                <a:lumOff val="95000"/>
-              </a:schemeClr>
-            </a:gs>
-            <a:gs pos="74000">
-              <a:schemeClr val="accent1">
-                <a:lumMod val="45000"/>
-                <a:lumOff val="55000"/>
-              </a:schemeClr>
-            </a:gs>
-            <a:gs pos="83000">
-              <a:schemeClr val="accent1">
-                <a:lumMod val="45000"/>
-                <a:lumOff val="55000"/>
-              </a:schemeClr>
-            </a:gs>
-            <a:gs pos="100000">
-              <a:schemeClr val="accent1">
-                <a:lumMod val="30000"/>
-                <a:lumOff val="70000"/>
-              </a:schemeClr>
-            </a:gs>
-          </a:gsLst>
-          <a:lin ang="5400000" scaled="1"/>
-        </a:gradFill>
-        <a:effectLst/>
-      </p:bgPr>
-    </p:bg>
-    <p:spTree>
-      <p:nvGrpSpPr>
-        <p:cNvPr id="1" name=""/>
-        <p:cNvGrpSpPr/>
-        <p:nvPr/>
-      </p:nvGrpSpPr>
-      <p:grpSpPr>
-        <a:xfrm>
-          <a:off x="0" y="0"/>
-          <a:ext cx="0" cy="0"/>
-          <a:chOff x="0" y="0"/>
-          <a:chExt cx="0" cy="0"/>
-        </a:xfrm>
-      </p:grpSpPr>
-      <p:sp>
-        <p:nvSpPr>
-          <p:cNvPr id="2" name="Cím 1"/>
-          <p:cNvSpPr>
-            <a:spLocks noGrp="1"/>
-          </p:cNvSpPr>
-          <p:nvPr>
-            <p:ph type="title"/>
-          </p:nvPr>
-        </p:nvSpPr>
-        <p:spPr/>
-        <p:txBody>
-          <a:bodyPr>
-            <a:normAutofit/>
-          </a:bodyPr>
-          <a:lstStyle/>
-          <a:p>
-            <a:r>
-              <a:rPr lang="hu-HU" sz="6600" dirty="0" err="1"/>
-              <a:t>Wave</a:t>
-            </a:r>
-            <a:r>
-              <a:rPr lang="hu-HU" sz="6600" dirty="0"/>
-              <a:t> rendszer</a:t>
-            </a:r>
-          </a:p>
-        </p:txBody>
-      </p:sp>
-      <p:sp>
-        <p:nvSpPr>
-          <p:cNvPr id="3" name="Tartalom helye 2"/>
-          <p:cNvSpPr>
-            <a:spLocks noGrp="1"/>
-          </p:cNvSpPr>
-          <p:nvPr>
-            <p:ph idx="1"/>
-          </p:nvPr>
-        </p:nvSpPr>
-        <p:spPr/>
-        <p:txBody>
-          <a:bodyPr>
-            <a:normAutofit/>
-          </a:bodyPr>
-          <a:lstStyle/>
-          <a:p>
-            <a:r>
-              <a:rPr lang="hu-HU" sz="3600" dirty="0"/>
-              <a:t>Egyre több ellenség egy </a:t>
-            </a:r>
-            <a:r>
-              <a:rPr lang="hu-HU" sz="3600" dirty="0" err="1"/>
-              <a:t>wave</a:t>
-            </a:r>
-            <a:r>
-              <a:rPr lang="hu-HU" sz="3600" dirty="0"/>
-              <a:t>-ben</a:t>
-            </a:r>
-          </a:p>
-          <a:p>
-            <a:r>
-              <a:rPr lang="hu-HU" sz="3600" dirty="0"/>
-              <a:t>Minden 10. </a:t>
-            </a:r>
-            <a:r>
-              <a:rPr lang="hu-HU" sz="3600" dirty="0" err="1"/>
-              <a:t>wave</a:t>
-            </a:r>
-            <a:r>
-              <a:rPr lang="hu-HU" sz="3600" dirty="0"/>
-              <a:t> után erősödnek az ellenségek</a:t>
-            </a:r>
-          </a:p>
-          <a:p>
-            <a:r>
-              <a:rPr lang="hu-HU" sz="3600" dirty="0"/>
-              <a:t>Az ellenségek száma 10 </a:t>
-            </a:r>
-            <a:r>
-              <a:rPr lang="hu-HU" sz="3600" dirty="0" err="1"/>
-              <a:t>wave-enként</a:t>
-            </a:r>
-            <a:r>
-              <a:rPr lang="hu-HU" sz="3600" dirty="0"/>
-              <a:t> változik</a:t>
-            </a:r>
-          </a:p>
-          <a:p>
-            <a:r>
-              <a:rPr lang="hu-HU" sz="3600" dirty="0"/>
-              <a:t>Pl.: 24. </a:t>
-            </a:r>
-            <a:r>
-              <a:rPr lang="hu-HU" sz="3600" dirty="0" err="1"/>
-              <a:t>wave</a:t>
-            </a:r>
-            <a:r>
-              <a:rPr lang="hu-HU" sz="3600" dirty="0"/>
-              <a:t> ellenségeinek száma = a 4. </a:t>
-            </a:r>
-            <a:r>
-              <a:rPr lang="hu-HU" sz="3600" dirty="0" err="1"/>
-              <a:t>wave</a:t>
-            </a:r>
-            <a:r>
-              <a:rPr lang="hu-HU" sz="3600" dirty="0"/>
-              <a:t>-el</a:t>
-            </a:r>
-          </a:p>
-        </p:txBody>
-      </p:sp>
-    </p:spTree>
-    <p:extLst>
-      <p:ext uri="{BB962C8B-B14F-4D97-AF65-F5344CB8AC3E}">
-        <p14:creationId xmlns:p14="http://schemas.microsoft.com/office/powerpoint/2010/main" val="1009626683"/>
-      </p:ext>
-    </p:extLst>
-  </p:cSld>
-  <p:clrMapOvr>
-    <a:masterClrMapping/>
-  </p:clrMapOvr>
-</p:sld>
-</file>
-
 <file path=ppt/slides/slide6.xml><?xml version="1.0" encoding="utf-8"?>
 <p:sld xmlns:a="http://schemas.openxmlformats.org/drawingml/2006/main" xmlns:r="http://schemas.openxmlformats.org/officeDocument/2006/relationships" xmlns:p="http://schemas.openxmlformats.org/presentationml/2006/main">
   <p:cSld>
@@ -4098,8 +4339,12 @@
           <a:lstStyle/>
           <a:p>
             <a:r>
+              <a:rPr lang="hu-HU" sz="6600" dirty="0" err="1"/>
+              <a:t>Wave</a:t>
+            </a:r>
+            <a:r>
               <a:rPr lang="hu-HU" sz="6600" dirty="0"/>
-              <a:t>Képességek</a:t>
+              <a:t> rendszer</a:t>
             </a:r>
           </a:p>
         </p:txBody>
@@ -4120,6 +4365,187 @@
             <a:normAutofit/>
           </a:bodyPr>
           <a:lstStyle/>
+          <a:p>
+            <a:r>
+              <a:rPr lang="hu-HU" sz="3600" dirty="0"/>
+              <a:t>Egyre több ellenség egy </a:t>
+            </a:r>
+            <a:r>
+              <a:rPr lang="hu-HU" sz="3600" dirty="0" err="1"/>
+              <a:t>wave</a:t>
+            </a:r>
+            <a:r>
+              <a:rPr lang="hu-HU" sz="3600" dirty="0"/>
+              <a:t>-ben</a:t>
+            </a:r>
+          </a:p>
+          <a:p>
+            <a:r>
+              <a:rPr lang="hu-HU" sz="3600" dirty="0"/>
+              <a:t>Minden 10. </a:t>
+            </a:r>
+            <a:r>
+              <a:rPr lang="hu-HU" sz="3600" dirty="0" err="1"/>
+              <a:t>wave</a:t>
+            </a:r>
+            <a:r>
+              <a:rPr lang="hu-HU" sz="3600" dirty="0"/>
+              <a:t> után erősödnek az ellenségek</a:t>
+            </a:r>
+          </a:p>
+          <a:p>
+            <a:r>
+              <a:rPr lang="hu-HU" sz="3600" dirty="0"/>
+              <a:t>Az ellenségek száma 10 </a:t>
+            </a:r>
+            <a:r>
+              <a:rPr lang="hu-HU" sz="3600" dirty="0" err="1"/>
+              <a:t>wave-enként</a:t>
+            </a:r>
+            <a:r>
+              <a:rPr lang="hu-HU" sz="3600" dirty="0"/>
+              <a:t> változik</a:t>
+            </a:r>
+          </a:p>
+          <a:p>
+            <a:r>
+              <a:rPr lang="hu-HU" sz="3600" dirty="0"/>
+              <a:t>Pl.: 24. </a:t>
+            </a:r>
+            <a:r>
+              <a:rPr lang="hu-HU" sz="3600" dirty="0" err="1"/>
+              <a:t>wave</a:t>
+            </a:r>
+            <a:r>
+              <a:rPr lang="hu-HU" sz="3600" dirty="0"/>
+              <a:t> ellenségeinek száma = a 4. </a:t>
+            </a:r>
+            <a:r>
+              <a:rPr lang="hu-HU" sz="3600" dirty="0" err="1"/>
+              <a:t>wave</a:t>
+            </a:r>
+            <a:r>
+              <a:rPr lang="hu-HU" sz="3600" dirty="0"/>
+              <a:t>-el</a:t>
+            </a:r>
+          </a:p>
+        </p:txBody>
+      </p:sp>
+    </p:spTree>
+    <p:extLst>
+      <p:ext uri="{BB962C8B-B14F-4D97-AF65-F5344CB8AC3E}">
+        <p14:creationId xmlns:p14="http://schemas.microsoft.com/office/powerpoint/2010/main" val="1009626683"/>
+      </p:ext>
+    </p:extLst>
+  </p:cSld>
+  <p:clrMapOvr>
+    <a:masterClrMapping/>
+  </p:clrMapOvr>
+</p:sld>
+</file>
+
+<file path=ppt/slides/slide7.xml><?xml version="1.0" encoding="utf-8"?>
+<p:sld xmlns:a="http://schemas.openxmlformats.org/drawingml/2006/main" xmlns:r="http://schemas.openxmlformats.org/officeDocument/2006/relationships" xmlns:p="http://schemas.openxmlformats.org/presentationml/2006/main">
+  <p:cSld>
+    <p:bg>
+      <p:bgPr>
+        <a:gradFill>
+          <a:gsLst>
+            <a:gs pos="0">
+              <a:schemeClr val="accent1">
+                <a:lumMod val="5000"/>
+                <a:lumOff val="95000"/>
+              </a:schemeClr>
+            </a:gs>
+            <a:gs pos="74000">
+              <a:schemeClr val="accent1">
+                <a:lumMod val="45000"/>
+                <a:lumOff val="55000"/>
+              </a:schemeClr>
+            </a:gs>
+            <a:gs pos="83000">
+              <a:schemeClr val="accent1">
+                <a:lumMod val="45000"/>
+                <a:lumOff val="55000"/>
+              </a:schemeClr>
+            </a:gs>
+            <a:gs pos="100000">
+              <a:schemeClr val="accent1">
+                <a:lumMod val="30000"/>
+                <a:lumOff val="70000"/>
+              </a:schemeClr>
+            </a:gs>
+          </a:gsLst>
+          <a:lin ang="5400000" scaled="1"/>
+        </a:gradFill>
+        <a:effectLst/>
+      </p:bgPr>
+    </p:bg>
+    <p:spTree>
+      <p:nvGrpSpPr>
+        <p:cNvPr id="1" name=""/>
+        <p:cNvGrpSpPr/>
+        <p:nvPr/>
+      </p:nvGrpSpPr>
+      <p:grpSpPr>
+        <a:xfrm>
+          <a:off x="0" y="0"/>
+          <a:ext cx="0" cy="0"/>
+          <a:chOff x="0" y="0"/>
+          <a:chExt cx="0" cy="0"/>
+        </a:xfrm>
+      </p:grpSpPr>
+      <p:sp>
+        <p:nvSpPr>
+          <p:cNvPr id="2" name="Cím 1"/>
+          <p:cNvSpPr>
+            <a:spLocks noGrp="1"/>
+          </p:cNvSpPr>
+          <p:nvPr>
+            <p:ph type="title"/>
+          </p:nvPr>
+        </p:nvSpPr>
+        <p:spPr/>
+        <p:txBody>
+          <a:bodyPr>
+            <a:normAutofit/>
+          </a:bodyPr>
+          <a:lstStyle/>
+          <a:p>
+            <a:r>
+              <a:rPr lang="hu-HU" sz="6600" dirty="0"/>
+              <a:t>Képességek</a:t>
+            </a:r>
+          </a:p>
+        </p:txBody>
+      </p:sp>
+      <p:sp>
+        <p:nvSpPr>
+          <p:cNvPr id="3" name="Tartalom helye 2"/>
+          <p:cNvSpPr>
+            <a:spLocks noGrp="1"/>
+          </p:cNvSpPr>
+          <p:nvPr>
+            <p:ph idx="1"/>
+          </p:nvPr>
+        </p:nvSpPr>
+        <p:spPr>
+          <a:xfrm>
+            <a:off x="838200" y="1690688"/>
+            <a:ext cx="10515600" cy="4351338"/>
+          </a:xfrm>
+        </p:spPr>
+        <p:txBody>
+          <a:bodyPr>
+            <a:normAutofit/>
+          </a:bodyPr>
+          <a:lstStyle/>
+          <a:p>
+            <a:r>
+              <a:rPr lang="hu-HU" sz="3600" dirty="0"/>
+              <a:t>Jelenleg 4 képesség</a:t>
+            </a:r>
+          </a:p>
           <a:p>
             <a:r>
               <a:rPr lang="hu-HU" sz="3600" dirty="0"/>
@@ -4160,7 +4586,7 @@
         </p:blipFill>
         <p:spPr>
           <a:xfrm>
-            <a:off x="3388850" y="2472581"/>
+            <a:off x="2973632" y="2884685"/>
             <a:ext cx="1733550" cy="523875"/>
           </a:xfrm>
           <a:prstGeom prst="rect">
@@ -4189,7 +4615,7 @@
         </p:blipFill>
         <p:spPr bwMode="auto">
           <a:xfrm>
-            <a:off x="5810250" y="3238129"/>
+            <a:off x="5803581" y="3414713"/>
             <a:ext cx="1889124" cy="3262312"/>
           </a:xfrm>
           <a:prstGeom prst="rect">
@@ -4222,7 +4648,7 @@
         </p:blipFill>
         <p:spPr bwMode="auto">
           <a:xfrm>
-            <a:off x="838200" y="3966890"/>
+            <a:off x="824864" y="4143474"/>
             <a:ext cx="4297535" cy="2533551"/>
           </a:xfrm>
           <a:prstGeom prst="rect">
@@ -4313,103 +4739,6 @@
 </p:sld>
 </file>
 
-<file path=ppt/slides/slide7.xml><?xml version="1.0" encoding="utf-8"?>
-<p:sld xmlns:a="http://schemas.openxmlformats.org/drawingml/2006/main" xmlns:r="http://schemas.openxmlformats.org/officeDocument/2006/relationships" xmlns:p="http://schemas.openxmlformats.org/presentationml/2006/main">
-  <p:cSld>
-    <p:bg>
-      <p:bgPr>
-        <a:gradFill>
-          <a:gsLst>
-            <a:gs pos="0">
-              <a:schemeClr val="accent1">
-                <a:lumMod val="5000"/>
-                <a:lumOff val="95000"/>
-              </a:schemeClr>
-            </a:gs>
-            <a:gs pos="74000">
-              <a:schemeClr val="accent1">
-                <a:lumMod val="45000"/>
-                <a:lumOff val="55000"/>
-              </a:schemeClr>
-            </a:gs>
-            <a:gs pos="83000">
-              <a:schemeClr val="accent1">
-                <a:lumMod val="45000"/>
-                <a:lumOff val="55000"/>
-              </a:schemeClr>
-            </a:gs>
-            <a:gs pos="100000">
-              <a:schemeClr val="accent1">
-                <a:lumMod val="30000"/>
-                <a:lumOff val="70000"/>
-              </a:schemeClr>
-            </a:gs>
-          </a:gsLst>
-          <a:lin ang="5400000" scaled="1"/>
-        </a:gradFill>
-        <a:effectLst/>
-      </p:bgPr>
-    </p:bg>
-    <p:spTree>
-      <p:nvGrpSpPr>
-        <p:cNvPr id="1" name=""/>
-        <p:cNvGrpSpPr/>
-        <p:nvPr/>
-      </p:nvGrpSpPr>
-      <p:grpSpPr>
-        <a:xfrm>
-          <a:off x="0" y="0"/>
-          <a:ext cx="0" cy="0"/>
-          <a:chOff x="0" y="0"/>
-          <a:chExt cx="0" cy="0"/>
-        </a:xfrm>
-      </p:grpSpPr>
-      <p:sp>
-        <p:nvSpPr>
-          <p:cNvPr id="2" name="Cím 1"/>
-          <p:cNvSpPr>
-            <a:spLocks noGrp="1"/>
-          </p:cNvSpPr>
-          <p:nvPr>
-            <p:ph type="title"/>
-          </p:nvPr>
-        </p:nvSpPr>
-        <p:spPr>
-          <a:xfrm>
-            <a:off x="1060142" y="2770974"/>
-            <a:ext cx="10515600" cy="1325563"/>
-          </a:xfrm>
-        </p:spPr>
-        <p:txBody>
-          <a:bodyPr>
-            <a:normAutofit/>
-          </a:bodyPr>
-          <a:lstStyle/>
-          <a:p>
-            <a:r>
-              <a:rPr lang="hu-HU" sz="6600" dirty="0" err="1"/>
-              <a:t>Továbbfejlesztési</a:t>
-            </a:r>
-            <a:r>
-              <a:rPr lang="hu-HU" sz="6600" dirty="0"/>
-              <a:t> lehetőségek</a:t>
-            </a:r>
-          </a:p>
-        </p:txBody>
-      </p:sp>
-    </p:spTree>
-    <p:extLst>
-      <p:ext uri="{BB962C8B-B14F-4D97-AF65-F5344CB8AC3E}">
-        <p14:creationId xmlns:p14="http://schemas.microsoft.com/office/powerpoint/2010/main" val="2523992394"/>
-      </p:ext>
-    </p:extLst>
-  </p:cSld>
-  <p:clrMapOvr>
-    <a:masterClrMapping/>
-  </p:clrMapOvr>
-</p:sld>
-</file>
-
 <file path=ppt/slides/slide8.xml><?xml version="1.0" encoding="utf-8"?>
 <p:sld xmlns:a="http://schemas.openxmlformats.org/drawingml/2006/main" xmlns:r="http://schemas.openxmlformats.org/officeDocument/2006/relationships" xmlns:p="http://schemas.openxmlformats.org/presentationml/2006/main">
   <p:cSld>
@@ -4471,7 +4800,12 @@
             <p:ph type="title"/>
           </p:nvPr>
         </p:nvSpPr>
-        <p:spPr/>
+        <p:spPr>
+          <a:xfrm>
+            <a:off x="1060142" y="2770974"/>
+            <a:ext cx="10515600" cy="1325563"/>
+          </a:xfrm>
+        </p:spPr>
         <p:txBody>
           <a:bodyPr>
             <a:normAutofit/>
@@ -4479,89 +4813,12 @@
           <a:lstStyle/>
           <a:p>
             <a:r>
+              <a:rPr lang="hu-HU" sz="6600" dirty="0" err="1"/>
+              <a:t>Továbbfejlesztési</a:t>
+            </a:r>
+            <a:r>
               <a:rPr lang="hu-HU" sz="6600" dirty="0"/>
-              <a:t>Képesség keretrendszer</a:t>
-            </a:r>
-          </a:p>
-        </p:txBody>
-      </p:sp>
-      <p:sp>
-        <p:nvSpPr>
-          <p:cNvPr id="3" name="Tartalom helye 2"/>
-          <p:cNvSpPr>
-            <a:spLocks noGrp="1"/>
-          </p:cNvSpPr>
-          <p:nvPr>
-            <p:ph idx="1"/>
-          </p:nvPr>
-        </p:nvSpPr>
-        <p:spPr/>
-        <p:txBody>
-          <a:bodyPr/>
-          <a:lstStyle/>
-          <a:p>
-            <a:r>
-              <a:rPr lang="hu-HU" dirty="0"/>
-              <a:t>Minden képességet egy absztrakt ősosztályból származtatunk (</a:t>
-            </a:r>
-            <a:r>
-              <a:rPr lang="hu-HU" dirty="0" err="1"/>
-              <a:t>Ability</a:t>
-            </a:r>
-            <a:r>
-              <a:rPr lang="hu-HU" dirty="0"/>
-              <a:t>)</a:t>
-            </a:r>
-          </a:p>
-          <a:p>
-            <a:r>
-              <a:rPr lang="hu-HU" dirty="0"/>
-              <a:t>Az </a:t>
-            </a:r>
-            <a:r>
-              <a:rPr lang="hu-HU" dirty="0" err="1"/>
-              <a:t>Ability</a:t>
-            </a:r>
-            <a:r>
-              <a:rPr lang="hu-HU" dirty="0"/>
-              <a:t> ősosztály kezeli:</a:t>
-            </a:r>
-          </a:p>
-          <a:p>
-            <a:pPr lvl="1"/>
-            <a:r>
-              <a:rPr lang="hu-HU" dirty="0" err="1"/>
-              <a:t>Manaköltség</a:t>
-            </a:r>
-            <a:endParaRPr lang="hu-HU" dirty="0"/>
-          </a:p>
-          <a:p>
-            <a:pPr lvl="1"/>
-            <a:r>
-              <a:rPr lang="hu-HU" dirty="0"/>
-              <a:t>Ikon</a:t>
-            </a:r>
-          </a:p>
-          <a:p>
-            <a:pPr lvl="1"/>
-            <a:r>
-              <a:rPr lang="hu-HU" dirty="0" err="1"/>
-              <a:t>Cooldown</a:t>
-            </a:r>
-            <a:endParaRPr lang="hu-HU" dirty="0"/>
-          </a:p>
-          <a:p>
-            <a:pPr lvl="1"/>
-            <a:r>
-              <a:rPr lang="hu-HU" dirty="0"/>
-              <a:t>Billentyű figyelése</a:t>
-            </a:r>
-          </a:p>
-          <a:p>
-            <a:pPr lvl="1"/>
-            <a:r>
-              <a:rPr lang="hu-HU" dirty="0"/>
-              <a:t>Szintkövetelmény</a:t>
+              <a:t> lehetőségek</a:t>
             </a:r>
           </a:p>
         </p:txBody>
@@ -4569,7 +4826,7 @@
     </p:spTree>
     <p:extLst>
       <p:ext uri="{BB962C8B-B14F-4D97-AF65-F5344CB8AC3E}">
-        <p14:creationId xmlns:p14="http://schemas.microsoft.com/office/powerpoint/2010/main" val="3230868112"/>
+        <p14:creationId xmlns:p14="http://schemas.microsoft.com/office/powerpoint/2010/main" val="2523992394"/>
       </p:ext>
     </p:extLst>
   </p:cSld>
@@ -4642,106 +4899,95 @@
         </p:nvSpPr>
         <p:spPr/>
         <p:txBody>
-          <a:bodyPr/>
-          <a:lstStyle/>
-          <a:p>
-            <a:r>
-              <a:rPr lang="hu-HU" dirty="0"/>
-              <a:t>Új képesség létrehozása</a:t>
-            </a:r>
-          </a:p>
-        </p:txBody>
-      </p:sp>
-      <p:sp>
-        <p:nvSpPr>
-          <p:cNvPr id="3" name="Tartalom helye 2"/>
-          <p:cNvSpPr>
-            <a:spLocks noGrp="1"/>
-          </p:cNvSpPr>
-          <p:nvPr>
-            <p:ph idx="1"/>
-          </p:nvPr>
-        </p:nvSpPr>
-        <p:spPr>
-          <a:noFill/>
-        </p:spPr>
-        <p:txBody>
           <a:bodyPr>
             <a:normAutofit/>
           </a:bodyPr>
           <a:lstStyle/>
           <a:p>
             <a:r>
-              <a:rPr lang="hu-HU" sz="2400" dirty="0" err="1"/>
-              <a:t>Player</a:t>
-            </a:r>
-            <a:r>
-              <a:rPr lang="hu-HU" sz="2400" dirty="0"/>
-              <a:t> </a:t>
-            </a:r>
-            <a:r>
-              <a:rPr lang="hu-HU" sz="2400" dirty="0" err="1"/>
-              <a:t>GameObject-hez</a:t>
-            </a:r>
-            <a:r>
-              <a:rPr lang="hu-HU" sz="2400" dirty="0"/>
-              <a:t> új script hozzáadása az </a:t>
-            </a:r>
-            <a:r>
-              <a:rPr lang="hu-HU" sz="2400" dirty="0" err="1"/>
-              <a:t>Ability-ból</a:t>
-            </a:r>
-            <a:r>
-              <a:rPr lang="hu-HU" sz="2400" dirty="0"/>
-              <a:t> származtatva</a:t>
-            </a:r>
-          </a:p>
-          <a:p>
-            <a:r>
-              <a:rPr lang="hu-HU" sz="2400" dirty="0"/>
+              <a:rPr lang="hu-HU" sz="6600" dirty="0"/>
+              <a:t>Képesség keretrendszer</a:t>
+            </a:r>
+          </a:p>
+        </p:txBody>
+      </p:sp>
+      <p:sp>
+        <p:nvSpPr>
+          <p:cNvPr id="3" name="Tartalom helye 2"/>
+          <p:cNvSpPr>
+            <a:spLocks noGrp="1"/>
+          </p:cNvSpPr>
+          <p:nvPr>
+            <p:ph idx="1"/>
+          </p:nvPr>
+        </p:nvSpPr>
+        <p:spPr/>
+        <p:txBody>
+          <a:bodyPr/>
+          <a:lstStyle/>
+          <a:p>
+            <a:r>
+              <a:rPr lang="hu-HU" dirty="0"/>
+              <a:t>Minden képességet egy absztrakt ősosztályból származtatunk (</a:t>
+            </a:r>
+            <a:r>
+              <a:rPr lang="hu-HU" dirty="0" err="1"/>
+              <a:t>Ability</a:t>
+            </a:r>
+            <a:r>
+              <a:rPr lang="hu-HU" dirty="0"/>
+              <a:t>)</a:t>
+            </a:r>
+          </a:p>
+          <a:p>
+            <a:r>
+              <a:rPr lang="hu-HU" dirty="0"/>
               <a:t>Az </a:t>
             </a:r>
             <a:r>
-              <a:rPr lang="hu-HU" sz="2400" dirty="0" err="1"/>
-              <a:t>Activate</a:t>
-            </a:r>
-            <a:r>
-              <a:rPr lang="hu-HU" sz="2400" dirty="0"/>
-              <a:t>() megírása</a:t>
-            </a:r>
-          </a:p>
-          <a:p>
-            <a:r>
-              <a:rPr lang="hu-HU" sz="2400" dirty="0"/>
-              <a:t>Az UI-n új ikon létrehozása</a:t>
-            </a:r>
-          </a:p>
-          <a:p>
-            <a:r>
-              <a:rPr lang="hu-HU" sz="2400" dirty="0"/>
-              <a:t>A képesség </a:t>
-            </a:r>
-            <a:r>
-              <a:rPr lang="hu-HU" sz="2400" dirty="0" err="1"/>
-              <a:t>GameObject</a:t>
-            </a:r>
-            <a:r>
-              <a:rPr lang="hu-HU" sz="2400" dirty="0"/>
-              <a:t> létrehozása</a:t>
+              <a:rPr lang="hu-HU" dirty="0" err="1"/>
+              <a:t>Ability</a:t>
+            </a:r>
+            <a:r>
+              <a:rPr lang="hu-HU" dirty="0"/>
+              <a:t> ősosztály kezeli:</a:t>
             </a:r>
           </a:p>
           <a:p>
             <a:pPr lvl="1"/>
             <a:r>
-              <a:rPr lang="hu-HU" sz="2000" dirty="0"/>
-              <a:t>Ez tartalmazza a képesség mechanikáját</a:t>
-            </a:r>
+              <a:rPr lang="hu-HU" dirty="0" err="1"/>
+              <a:t>Manaköltség</a:t>
+            </a:r>
+            <a:endParaRPr lang="hu-HU" dirty="0"/>
           </a:p>
           <a:p>
             <a:pPr lvl="1"/>
             <a:r>
-              <a:rPr lang="hu-HU" sz="2000" dirty="0"/>
-              <a:t>Aktiváláskor ezt hozzuk létre</a:t>
+              <a:rPr lang="hu-HU" dirty="0"/>
+              <a:t>Ikon</a:t>
+            </a:r>
+          </a:p>
+          <a:p>
+            <a:pPr lvl="1"/>
+            <a:r>
+              <a:rPr lang="hu-HU" dirty="0" err="1"/>
+              <a:t>Cooldown</a:t>
+            </a:r>
+            <a:endParaRPr lang="hu-HU" dirty="0"/>
+          </a:p>
+          <a:p>
+            <a:pPr lvl="1"/>
+            <a:r>
+              <a:rPr lang="hu-HU" dirty="0"/>
+              <a:t>Billentyű figyelése</a:t>
+            </a:r>
+          </a:p>
+          <a:p>
+            <a:pPr lvl="1"/>
+            <a:r>
+              <a:rPr lang="hu-HU" dirty="0"/>
+              <a:t>Szintkövetelmény</a:t>
             </a:r>
           </a:p>
         </p:txBody>
@@ -4749,7 +4995,7 @@
     </p:spTree>
     <p:extLst>
       <p:ext uri="{BB962C8B-B14F-4D97-AF65-F5344CB8AC3E}">
-        <p14:creationId xmlns:p14="http://schemas.microsoft.com/office/powerpoint/2010/main" val="1395553986"/>
+        <p14:creationId xmlns:p14="http://schemas.microsoft.com/office/powerpoint/2010/main" val="3230868112"/>
       </p:ext>
     </p:extLst>
   </p:cSld>

--- a/Előadás.pptx
+++ b/Előadás.pptx
@@ -14,9 +14,10 @@
     <p:sldId id="260" r:id="rId8"/>
     <p:sldId id="263" r:id="rId9"/>
     <p:sldId id="262" r:id="rId10"/>
-    <p:sldId id="265" r:id="rId11"/>
-    <p:sldId id="266" r:id="rId12"/>
-    <p:sldId id="267" r:id="rId13"/>
+    <p:sldId id="269" r:id="rId11"/>
+    <p:sldId id="265" r:id="rId12"/>
+    <p:sldId id="266" r:id="rId13"/>
+    <p:sldId id="267" r:id="rId14"/>
   </p:sldIdLst>
   <p:sldSz cx="12192000" cy="6858000"/>
   <p:notesSz cx="6858000" cy="9144000"/>
@@ -3160,106 +3161,80 @@
         </p:nvSpPr>
         <p:spPr/>
         <p:txBody>
-          <a:bodyPr/>
-          <a:lstStyle/>
-          <a:p>
-            <a:r>
-              <a:rPr lang="hu-HU" dirty="0"/>
-              <a:t>Új képesség létrehozása</a:t>
-            </a:r>
-          </a:p>
-        </p:txBody>
-      </p:sp>
-      <p:sp>
-        <p:nvSpPr>
-          <p:cNvPr id="3" name="Tartalom helye 2"/>
-          <p:cNvSpPr>
-            <a:spLocks noGrp="1"/>
-          </p:cNvSpPr>
-          <p:nvPr>
-            <p:ph idx="1"/>
-          </p:nvPr>
-        </p:nvSpPr>
-        <p:spPr>
-          <a:noFill/>
-        </p:spPr>
-        <p:txBody>
           <a:bodyPr>
             <a:normAutofit/>
           </a:bodyPr>
           <a:lstStyle/>
           <a:p>
             <a:r>
-              <a:rPr lang="hu-HU" sz="2400" dirty="0" err="1"/>
+              <a:rPr lang="hu-HU" sz="6600" dirty="0"/>
+              <a:t>Képességek felépítése</a:t>
+            </a:r>
+          </a:p>
+        </p:txBody>
+      </p:sp>
+      <p:sp>
+        <p:nvSpPr>
+          <p:cNvPr id="3" name="Tartalom helye 2"/>
+          <p:cNvSpPr>
+            <a:spLocks noGrp="1"/>
+          </p:cNvSpPr>
+          <p:nvPr>
+            <p:ph idx="1"/>
+          </p:nvPr>
+        </p:nvSpPr>
+        <p:spPr/>
+        <p:txBody>
+          <a:bodyPr/>
+          <a:lstStyle/>
+          <a:p>
+            <a:r>
+              <a:rPr lang="hu-HU" dirty="0"/>
+              <a:t>Minden képesség egy </a:t>
+            </a:r>
+            <a:r>
+              <a:rPr lang="hu-HU" dirty="0" err="1"/>
+              <a:t>GameObject</a:t>
+            </a:r>
+            <a:endParaRPr lang="hu-HU" dirty="0"/>
+          </a:p>
+          <a:p>
+            <a:pPr lvl="1"/>
+            <a:r>
+              <a:rPr lang="hu-HU" dirty="0"/>
+              <a:t>Ez valósítja meg a tényleges képesség mechanikát</a:t>
+            </a:r>
+          </a:p>
+          <a:p>
+            <a:r>
+              <a:rPr lang="hu-HU" dirty="0" err="1"/>
               <a:t>Player</a:t>
             </a:r>
             <a:r>
-              <a:rPr lang="hu-HU" sz="2400" dirty="0"/>
-              <a:t> </a:t>
-            </a:r>
-            <a:r>
-              <a:rPr lang="hu-HU" sz="2400" dirty="0" err="1"/>
-              <a:t>GameObject-hez</a:t>
-            </a:r>
-            <a:r>
-              <a:rPr lang="hu-HU" sz="2400" dirty="0"/>
-              <a:t> új script hozzáadása az </a:t>
-            </a:r>
-            <a:r>
-              <a:rPr lang="hu-HU" sz="2400" dirty="0" err="1"/>
-              <a:t>Ability-ból</a:t>
-            </a:r>
-            <a:r>
-              <a:rPr lang="hu-HU" sz="2400" dirty="0"/>
-              <a:t> származtatva</a:t>
-            </a:r>
-          </a:p>
-          <a:p>
-            <a:r>
-              <a:rPr lang="hu-HU" sz="2400" dirty="0"/>
-              <a:t>Az </a:t>
-            </a:r>
-            <a:r>
-              <a:rPr lang="hu-HU" sz="2400" dirty="0" err="1"/>
-              <a:t>Activate</a:t>
-            </a:r>
-            <a:r>
-              <a:rPr lang="hu-HU" sz="2400" dirty="0"/>
-              <a:t>() megírása</a:t>
-            </a:r>
-          </a:p>
-          <a:p>
-            <a:r>
-              <a:rPr lang="hu-HU" sz="2400" dirty="0"/>
-              <a:t>Az UI-n új ikon létrehozása</a:t>
-            </a:r>
-          </a:p>
-          <a:p>
-            <a:r>
-              <a:rPr lang="hu-HU" sz="2400" dirty="0"/>
-              <a:t>A képesség </a:t>
-            </a:r>
-            <a:r>
-              <a:rPr lang="hu-HU" sz="2400" dirty="0" err="1"/>
+              <a:rPr lang="hu-HU" dirty="0"/>
+              <a:t> tartalmaz egy scriptet a képességről, ami az </a:t>
+            </a:r>
+            <a:r>
+              <a:rPr lang="hu-HU" dirty="0" err="1"/>
+              <a:t>Ability-ből</a:t>
+            </a:r>
+            <a:r>
+              <a:rPr lang="hu-HU" dirty="0"/>
+              <a:t> van leszármaztatva</a:t>
+            </a:r>
+          </a:p>
+          <a:p>
+            <a:r>
+              <a:rPr lang="hu-HU" dirty="0"/>
+              <a:t>A script tartalmazza a paramétereit a képességnek, és hozza létre a </a:t>
+            </a:r>
+            <a:r>
+              <a:rPr lang="hu-HU" dirty="0" err="1"/>
               <a:t>GameObject</a:t>
             </a:r>
             <a:r>
-              <a:rPr lang="hu-HU" sz="2400" dirty="0"/>
-              <a:t> létrehozása</a:t>
-            </a:r>
-          </a:p>
-          <a:p>
-            <a:pPr lvl="1"/>
-            <a:r>
-              <a:rPr lang="hu-HU" sz="2000" dirty="0"/>
-              <a:t>Ez tartalmazza a képesség mechanikáját</a:t>
-            </a:r>
-          </a:p>
-          <a:p>
-            <a:pPr lvl="1"/>
-            <a:r>
-              <a:rPr lang="hu-HU" sz="2000" dirty="0"/>
-              <a:t>Aktiváláskor ezt hozzuk létre</a:t>
+              <a:rPr lang="hu-HU" dirty="0"/>
+              <a:t>-et aktiváláskor</a:t>
             </a:r>
           </a:p>
         </p:txBody>
@@ -3267,7 +3242,7 @@
     </p:spTree>
     <p:extLst>
       <p:ext uri="{BB962C8B-B14F-4D97-AF65-F5344CB8AC3E}">
-        <p14:creationId xmlns:p14="http://schemas.microsoft.com/office/powerpoint/2010/main" val="1395553986"/>
+        <p14:creationId xmlns:p14="http://schemas.microsoft.com/office/powerpoint/2010/main" val="858125308"/>
       </p:ext>
     </p:extLst>
   </p:cSld>
@@ -3330,6 +3305,174 @@
       </p:grpSpPr>
       <p:sp>
         <p:nvSpPr>
+          <p:cNvPr id="2" name="Cím 1"/>
+          <p:cNvSpPr>
+            <a:spLocks noGrp="1"/>
+          </p:cNvSpPr>
+          <p:nvPr>
+            <p:ph type="title"/>
+          </p:nvPr>
+        </p:nvSpPr>
+        <p:spPr/>
+        <p:txBody>
+          <a:bodyPr>
+            <a:normAutofit/>
+          </a:bodyPr>
+          <a:lstStyle/>
+          <a:p>
+            <a:r>
+              <a:rPr lang="hu-HU" sz="6600" dirty="0"/>
+              <a:t>Új képesség létrehozása</a:t>
+            </a:r>
+          </a:p>
+        </p:txBody>
+      </p:sp>
+      <p:sp>
+        <p:nvSpPr>
+          <p:cNvPr id="3" name="Tartalom helye 2"/>
+          <p:cNvSpPr>
+            <a:spLocks noGrp="1"/>
+          </p:cNvSpPr>
+          <p:nvPr>
+            <p:ph idx="1"/>
+          </p:nvPr>
+        </p:nvSpPr>
+        <p:spPr>
+          <a:noFill/>
+        </p:spPr>
+        <p:txBody>
+          <a:bodyPr>
+            <a:normAutofit/>
+          </a:bodyPr>
+          <a:lstStyle/>
+          <a:p>
+            <a:r>
+              <a:rPr lang="hu-HU" dirty="0" err="1"/>
+              <a:t>Player</a:t>
+            </a:r>
+            <a:r>
+              <a:rPr lang="hu-HU" dirty="0"/>
+              <a:t> </a:t>
+            </a:r>
+            <a:r>
+              <a:rPr lang="hu-HU" dirty="0" err="1"/>
+              <a:t>GameObject-hez</a:t>
+            </a:r>
+            <a:r>
+              <a:rPr lang="hu-HU" dirty="0"/>
+              <a:t> új script hozzáadása az </a:t>
+            </a:r>
+            <a:r>
+              <a:rPr lang="hu-HU" dirty="0" err="1"/>
+              <a:t>Ability-ból</a:t>
+            </a:r>
+            <a:r>
+              <a:rPr lang="hu-HU" dirty="0"/>
+              <a:t> származtatva</a:t>
+            </a:r>
+          </a:p>
+          <a:p>
+            <a:r>
+              <a:rPr lang="hu-HU" dirty="0"/>
+              <a:t>Az </a:t>
+            </a:r>
+            <a:r>
+              <a:rPr lang="hu-HU" dirty="0" err="1"/>
+              <a:t>Activate</a:t>
+            </a:r>
+            <a:r>
+              <a:rPr lang="hu-HU" dirty="0"/>
+              <a:t>() megírása</a:t>
+            </a:r>
+          </a:p>
+          <a:p>
+            <a:r>
+              <a:rPr lang="hu-HU" dirty="0"/>
+              <a:t>Az UI-n új ikon létrehozása</a:t>
+            </a:r>
+          </a:p>
+          <a:p>
+            <a:r>
+              <a:rPr lang="hu-HU" dirty="0"/>
+              <a:t>A képesség </a:t>
+            </a:r>
+            <a:r>
+              <a:rPr lang="hu-HU" dirty="0" err="1"/>
+              <a:t>GameObject</a:t>
+            </a:r>
+            <a:r>
+              <a:rPr lang="hu-HU" dirty="0"/>
+              <a:t> létrehozása</a:t>
+            </a:r>
+          </a:p>
+        </p:txBody>
+      </p:sp>
+    </p:spTree>
+    <p:extLst>
+      <p:ext uri="{BB962C8B-B14F-4D97-AF65-F5344CB8AC3E}">
+        <p14:creationId xmlns:p14="http://schemas.microsoft.com/office/powerpoint/2010/main" val="1395553986"/>
+      </p:ext>
+    </p:extLst>
+  </p:cSld>
+  <p:clrMapOvr>
+    <a:masterClrMapping/>
+  </p:clrMapOvr>
+</p:sld>
+</file>
+
+<file path=ppt/slides/slide12.xml><?xml version="1.0" encoding="utf-8"?>
+<p:sld xmlns:a="http://schemas.openxmlformats.org/drawingml/2006/main" xmlns:r="http://schemas.openxmlformats.org/officeDocument/2006/relationships" xmlns:p="http://schemas.openxmlformats.org/presentationml/2006/main">
+  <p:cSld>
+    <p:bg>
+      <p:bgPr>
+        <a:gradFill>
+          <a:gsLst>
+            <a:gs pos="0">
+              <a:schemeClr val="accent1">
+                <a:lumMod val="5000"/>
+                <a:lumOff val="95000"/>
+              </a:schemeClr>
+            </a:gs>
+            <a:gs pos="74000">
+              <a:schemeClr val="accent1">
+                <a:lumMod val="45000"/>
+                <a:lumOff val="55000"/>
+              </a:schemeClr>
+            </a:gs>
+            <a:gs pos="83000">
+              <a:schemeClr val="accent1">
+                <a:lumMod val="45000"/>
+                <a:lumOff val="55000"/>
+              </a:schemeClr>
+            </a:gs>
+            <a:gs pos="100000">
+              <a:schemeClr val="accent1">
+                <a:lumMod val="30000"/>
+                <a:lumOff val="70000"/>
+              </a:schemeClr>
+            </a:gs>
+          </a:gsLst>
+          <a:lin ang="5400000" scaled="1"/>
+        </a:gradFill>
+        <a:effectLst/>
+      </p:bgPr>
+    </p:bg>
+    <p:spTree>
+      <p:nvGrpSpPr>
+        <p:cNvPr id="1" name=""/>
+        <p:cNvGrpSpPr/>
+        <p:nvPr/>
+      </p:nvGrpSpPr>
+      <p:grpSpPr>
+        <a:xfrm>
+          <a:off x="0" y="0"/>
+          <a:ext cx="0" cy="0"/>
+          <a:chOff x="0" y="0"/>
+          <a:chExt cx="0" cy="0"/>
+        </a:xfrm>
+      </p:grpSpPr>
+      <p:sp>
+        <p:nvSpPr>
           <p:cNvPr id="3" name="Tartalom helye 2"/>
           <p:cNvSpPr>
             <a:spLocks noGrp="1"/>
@@ -3445,7 +3588,7 @@
 </p:sld>
 </file>
 
-<file path=ppt/slides/slide12.xml><?xml version="1.0" encoding="utf-8"?>
+<file path=ppt/slides/slide13.xml><?xml version="1.0" encoding="utf-8"?>
 <p:sld xmlns:a="http://schemas.openxmlformats.org/drawingml/2006/main" xmlns:r="http://schemas.openxmlformats.org/officeDocument/2006/relationships" xmlns:p="http://schemas.openxmlformats.org/presentationml/2006/main">
   <p:cSld>
     <p:bg>
@@ -4950,7 +5093,7 @@
             </a:r>
             <a:r>
               <a:rPr lang="hu-HU" dirty="0"/>
-              <a:t> ősosztály kezeli:</a:t>
+              <a:t> ősosztály kezeli (minden képesség tartalmazza):</a:t>
             </a:r>
           </a:p>
           <a:p>

--- a/Előadás.pptx
+++ b/Előadás.pptx
@@ -12,11 +12,11 @@
     <p:sldId id="261" r:id="rId6"/>
     <p:sldId id="259" r:id="rId7"/>
     <p:sldId id="260" r:id="rId8"/>
-    <p:sldId id="263" r:id="rId9"/>
-    <p:sldId id="262" r:id="rId10"/>
-    <p:sldId id="269" r:id="rId11"/>
-    <p:sldId id="265" r:id="rId12"/>
-    <p:sldId id="266" r:id="rId13"/>
+    <p:sldId id="262" r:id="rId9"/>
+    <p:sldId id="269" r:id="rId10"/>
+    <p:sldId id="265" r:id="rId11"/>
+    <p:sldId id="266" r:id="rId12"/>
+    <p:sldId id="270" r:id="rId13"/>
     <p:sldId id="267" r:id="rId14"/>
   </p:sldIdLst>
   <p:sldSz cx="12192000" cy="6858000"/>
@@ -3168,7 +3168,7 @@
           <a:p>
             <a:r>
               <a:rPr lang="hu-HU" sz="6600" dirty="0"/>
-              <a:t>Képességek felépítése</a:t>
+              <a:t>Új képesség létrehozása</a:t>
             </a:r>
           </a:p>
         </p:txBody>
@@ -3183,58 +3183,72 @@
             <p:ph idx="1"/>
           </p:nvPr>
         </p:nvSpPr>
-        <p:spPr/>
-        <p:txBody>
-          <a:bodyPr/>
-          <a:lstStyle/>
-          <a:p>
+        <p:spPr>
+          <a:noFill/>
+        </p:spPr>
+        <p:txBody>
+          <a:bodyPr>
+            <a:normAutofit/>
+          </a:bodyPr>
+          <a:lstStyle/>
+          <a:p>
+            <a:r>
+              <a:rPr lang="hu-HU" dirty="0" err="1"/>
+              <a:t>Player</a:t>
+            </a:r>
             <a:r>
               <a:rPr lang="hu-HU" dirty="0"/>
-              <a:t>Minden képesség egy </a:t>
+              <a:t> </a:t>
+            </a:r>
+            <a:r>
+              <a:rPr lang="hu-HU" dirty="0" err="1"/>
+              <a:t>GameObject-hez</a:t>
+            </a:r>
+            <a:r>
+              <a:rPr lang="hu-HU" dirty="0"/>
+              <a:t> új script hozzáadása az </a:t>
+            </a:r>
+            <a:r>
+              <a:rPr lang="hu-HU" dirty="0" err="1"/>
+              <a:t>Ability-ból</a:t>
+            </a:r>
+            <a:r>
+              <a:rPr lang="hu-HU" dirty="0"/>
+              <a:t> származtatva</a:t>
+            </a:r>
+          </a:p>
+          <a:p>
+            <a:r>
+              <a:rPr lang="hu-HU" dirty="0"/>
+              <a:t>Az </a:t>
+            </a:r>
+            <a:r>
+              <a:rPr lang="hu-HU" dirty="0" err="1"/>
+              <a:t>Activate</a:t>
+            </a:r>
+            <a:r>
+              <a:rPr lang="hu-HU" dirty="0"/>
+              <a:t>() megírása</a:t>
+            </a:r>
+          </a:p>
+          <a:p>
+            <a:r>
+              <a:rPr lang="hu-HU" dirty="0"/>
+              <a:t>Az UI-n új ikon létrehozása</a:t>
+            </a:r>
+          </a:p>
+          <a:p>
+            <a:r>
+              <a:rPr lang="hu-HU" dirty="0"/>
+              <a:t>A képesség </a:t>
             </a:r>
             <a:r>
               <a:rPr lang="hu-HU" dirty="0" err="1"/>
               <a:t>GameObject</a:t>
             </a:r>
-            <a:endParaRPr lang="hu-HU" dirty="0"/>
-          </a:p>
-          <a:p>
-            <a:pPr lvl="1"/>
             <a:r>
               <a:rPr lang="hu-HU" dirty="0"/>
-              <a:t>Ez valósítja meg a tényleges képesség mechanikát</a:t>
-            </a:r>
-          </a:p>
-          <a:p>
-            <a:r>
-              <a:rPr lang="hu-HU" dirty="0" err="1"/>
-              <a:t>Player</a:t>
-            </a:r>
-            <a:r>
-              <a:rPr lang="hu-HU" dirty="0"/>
-              <a:t> tartalmaz egy scriptet a képességről, ami az </a:t>
-            </a:r>
-            <a:r>
-              <a:rPr lang="hu-HU" dirty="0" err="1"/>
-              <a:t>Ability-ből</a:t>
-            </a:r>
-            <a:r>
-              <a:rPr lang="hu-HU" dirty="0"/>
-              <a:t> van leszármaztatva</a:t>
-            </a:r>
-          </a:p>
-          <a:p>
-            <a:r>
-              <a:rPr lang="hu-HU" dirty="0"/>
-              <a:t>A script tartalmazza a paramétereit a képességnek, és hozza létre a </a:t>
-            </a:r>
-            <a:r>
-              <a:rPr lang="hu-HU" dirty="0" err="1"/>
-              <a:t>GameObject</a:t>
-            </a:r>
-            <a:r>
-              <a:rPr lang="hu-HU" dirty="0"/>
-              <a:t>-et aktiváláskor</a:t>
+              <a:t> létrehozása</a:t>
             </a:r>
           </a:p>
         </p:txBody>
@@ -3242,7 +3256,7 @@
     </p:spTree>
     <p:extLst>
       <p:ext uri="{BB962C8B-B14F-4D97-AF65-F5344CB8AC3E}">
-        <p14:creationId xmlns:p14="http://schemas.microsoft.com/office/powerpoint/2010/main" val="858125308"/>
+        <p14:creationId xmlns:p14="http://schemas.microsoft.com/office/powerpoint/2010/main" val="1395553986"/>
       </p:ext>
     </p:extLst>
   </p:cSld>
@@ -3305,6 +3319,87 @@
       </p:grpSpPr>
       <p:sp>
         <p:nvSpPr>
+          <p:cNvPr id="3" name="Tartalom helye 2"/>
+          <p:cNvSpPr>
+            <a:spLocks noGrp="1"/>
+          </p:cNvSpPr>
+          <p:nvPr>
+            <p:ph idx="1"/>
+          </p:nvPr>
+        </p:nvSpPr>
+        <p:spPr/>
+        <p:txBody>
+          <a:bodyPr/>
+          <a:lstStyle/>
+          <a:p>
+            <a:pPr marL="342900" indent="-342900"/>
+            <a:r>
+              <a:rPr lang="hu-HU" dirty="0"/>
+              <a:t>Segíti a további fejlesztést</a:t>
+            </a:r>
+          </a:p>
+          <a:p>
+            <a:pPr marL="800100" lvl="1" indent="-342900"/>
+            <a:r>
+              <a:rPr lang="hu-HU" dirty="0"/>
+              <a:t>Új ellenségek</a:t>
+            </a:r>
+          </a:p>
+          <a:p>
+            <a:pPr marL="800100" lvl="1" indent="-342900"/>
+            <a:r>
+              <a:rPr lang="hu-HU" dirty="0"/>
+              <a:t>Új képességek</a:t>
+            </a:r>
+          </a:p>
+          <a:p>
+            <a:pPr marL="342900" indent="-342900"/>
+            <a:r>
+              <a:rPr lang="hu-HU" dirty="0"/>
+              <a:t>Egységes </a:t>
+            </a:r>
+            <a:r>
+              <a:rPr lang="hu-HU" dirty="0" err="1"/>
+              <a:t>interface</a:t>
+            </a:r>
+            <a:endParaRPr lang="hu-HU" dirty="0"/>
+          </a:p>
+          <a:p>
+            <a:pPr marL="342900" indent="-342900"/>
+            <a:r>
+              <a:rPr lang="hu-HU" dirty="0"/>
+              <a:t>Nem kell tudni melyik </a:t>
+            </a:r>
+            <a:r>
+              <a:rPr lang="hu-HU" dirty="0" err="1"/>
+              <a:t>feature</a:t>
+            </a:r>
+            <a:r>
+              <a:rPr lang="hu-HU" dirty="0"/>
+              <a:t> melyik osztályban(scriptben) van</a:t>
+            </a:r>
+          </a:p>
+          <a:p>
+            <a:pPr marL="342900" indent="-342900"/>
+            <a:r>
+              <a:rPr lang="hu-HU" dirty="0"/>
+              <a:t>Egyszerűbb kód</a:t>
+            </a:r>
+          </a:p>
+          <a:p>
+            <a:pPr marL="342900" indent="-342900"/>
+            <a:endParaRPr lang="hu-HU" dirty="0"/>
+          </a:p>
+          <a:p>
+            <a:pPr marL="0" indent="0">
+              <a:buNone/>
+            </a:pPr>
+            <a:endParaRPr lang="hu-HU" dirty="0"/>
+          </a:p>
+        </p:txBody>
+      </p:sp>
+      <p:sp>
+        <p:nvSpPr>
           <p:cNvPr id="2" name="Cím 1"/>
           <p:cNvSpPr>
             <a:spLocks noGrp="1"/>
@@ -3315,102 +3410,21 @@
         </p:nvSpPr>
         <p:spPr/>
         <p:txBody>
-          <a:bodyPr>
-            <a:normAutofit/>
-          </a:bodyPr>
-          <a:lstStyle/>
-          <a:p>
-            <a:r>
-              <a:rPr lang="hu-HU" sz="6600" dirty="0"/>
-              <a:t>Új képesség létrehozása</a:t>
-            </a:r>
-          </a:p>
-        </p:txBody>
-      </p:sp>
-      <p:sp>
-        <p:nvSpPr>
-          <p:cNvPr id="3" name="Tartalom helye 2"/>
-          <p:cNvSpPr>
-            <a:spLocks noGrp="1"/>
-          </p:cNvSpPr>
-          <p:nvPr>
-            <p:ph idx="1"/>
-          </p:nvPr>
-        </p:nvSpPr>
-        <p:spPr>
-          <a:noFill/>
-        </p:spPr>
-        <p:txBody>
-          <a:bodyPr>
-            <a:normAutofit/>
-          </a:bodyPr>
+          <a:bodyPr/>
           <a:lstStyle/>
           <a:p>
             <a:r>
               <a:rPr lang="hu-HU" dirty="0" err="1"/>
-              <a:t>Player</a:t>
-            </a:r>
-            <a:r>
-              <a:rPr lang="hu-HU" dirty="0"/>
-              <a:t> </a:t>
-            </a:r>
-            <a:r>
-              <a:rPr lang="hu-HU" dirty="0" err="1"/>
-              <a:t>GameObject-hez</a:t>
-            </a:r>
-            <a:r>
-              <a:rPr lang="hu-HU" dirty="0"/>
-              <a:t> új script hozzáadása az </a:t>
-            </a:r>
-            <a:r>
-              <a:rPr lang="hu-HU" dirty="0" err="1"/>
-              <a:t>Ability-ból</a:t>
-            </a:r>
-            <a:r>
-              <a:rPr lang="hu-HU" dirty="0"/>
-              <a:t> származtatva</a:t>
-            </a:r>
-          </a:p>
-          <a:p>
-            <a:r>
-              <a:rPr lang="hu-HU" dirty="0"/>
-              <a:t>Az </a:t>
-            </a:r>
-            <a:r>
-              <a:rPr lang="hu-HU" dirty="0" err="1"/>
-              <a:t>Activate</a:t>
-            </a:r>
-            <a:r>
-              <a:rPr lang="hu-HU" dirty="0"/>
-              <a:t>() megírása</a:t>
-            </a:r>
-          </a:p>
-          <a:p>
-            <a:r>
-              <a:rPr lang="hu-HU" dirty="0"/>
-              <a:t>Az UI-n új ikon létrehozása</a:t>
-            </a:r>
-          </a:p>
-          <a:p>
-            <a:r>
-              <a:rPr lang="hu-HU" dirty="0"/>
-              <a:t>A képesség </a:t>
-            </a:r>
-            <a:r>
-              <a:rPr lang="hu-HU" dirty="0" err="1"/>
-              <a:t>GameObject</a:t>
-            </a:r>
-            <a:r>
-              <a:rPr lang="hu-HU" dirty="0"/>
-              <a:t> létrehozása</a:t>
-            </a:r>
+              <a:t>MainModule</a:t>
+            </a:r>
+            <a:endParaRPr lang="hu-HU" dirty="0"/>
           </a:p>
         </p:txBody>
       </p:sp>
     </p:spTree>
     <p:extLst>
       <p:ext uri="{BB962C8B-B14F-4D97-AF65-F5344CB8AC3E}">
-        <p14:creationId xmlns:p14="http://schemas.microsoft.com/office/powerpoint/2010/main" val="1395553986"/>
+        <p14:creationId xmlns:p14="http://schemas.microsoft.com/office/powerpoint/2010/main" val="2778715585"/>
       </p:ext>
     </p:extLst>
   </p:cSld>
@@ -3473,6 +3487,32 @@
       </p:grpSpPr>
       <p:sp>
         <p:nvSpPr>
+          <p:cNvPr id="2" name="Cím 1"/>
+          <p:cNvSpPr>
+            <a:spLocks noGrp="1"/>
+          </p:cNvSpPr>
+          <p:nvPr>
+            <p:ph type="title"/>
+          </p:nvPr>
+        </p:nvSpPr>
+        <p:spPr/>
+        <p:txBody>
+          <a:bodyPr/>
+          <a:lstStyle/>
+          <a:p>
+            <a:r>
+              <a:rPr lang="hu-HU" dirty="0" err="1"/>
+              <a:t>Továbbfejlesztési</a:t>
+            </a:r>
+            <a:r>
+              <a:rPr lang="hu-HU" dirty="0"/>
+              <a:t> lehetőségek</a:t>
+            </a:r>
+          </a:p>
+        </p:txBody>
+      </p:sp>
+      <p:sp>
+        <p:nvSpPr>
           <p:cNvPr id="3" name="Tartalom helye 2"/>
           <p:cNvSpPr>
             <a:spLocks noGrp="1"/>
@@ -3486,99 +3526,39 @@
           <a:bodyPr/>
           <a:lstStyle/>
           <a:p>
-            <a:pPr marL="342900" indent="-342900"/>
-            <a:r>
-              <a:rPr lang="hu-HU" dirty="0"/>
-              <a:t>Segíti a további fejlesztést</a:t>
-            </a:r>
-          </a:p>
-          <a:p>
-            <a:pPr marL="800100" lvl="1" indent="-342900"/>
             <a:r>
               <a:rPr lang="hu-HU" dirty="0"/>
               <a:t>Új ellenségek</a:t>
             </a:r>
           </a:p>
           <a:p>
-            <a:pPr marL="800100" lvl="1" indent="-342900"/>
             <a:r>
               <a:rPr lang="hu-HU" dirty="0"/>
-              <a:t>Új képességek</a:t>
-            </a:r>
-          </a:p>
-          <a:p>
-            <a:pPr marL="342900" indent="-342900"/>
+              <a:t>Új pályák</a:t>
+            </a:r>
+          </a:p>
+          <a:p>
             <a:r>
               <a:rPr lang="hu-HU" dirty="0"/>
-              <a:t>Egységes </a:t>
-            </a:r>
-            <a:r>
-              <a:rPr lang="hu-HU" dirty="0" err="1"/>
-              <a:t>interface</a:t>
-            </a:r>
-            <a:endParaRPr lang="hu-HU" dirty="0"/>
-          </a:p>
-          <a:p>
-            <a:pPr marL="342900" indent="-342900"/>
+              <a:t>Új aktív pályaelemek</a:t>
+            </a:r>
+          </a:p>
+          <a:p>
+            <a:r>
+              <a:rPr lang="hu-HU"/>
+              <a:t>Új </a:t>
+            </a:r>
             <a:r>
               <a:rPr lang="hu-HU" dirty="0"/>
-              <a:t>Nem kell tudni melyik </a:t>
-            </a:r>
-            <a:r>
-              <a:rPr lang="hu-HU" dirty="0" err="1"/>
-              <a:t>feature</a:t>
-            </a:r>
-            <a:r>
-              <a:rPr lang="hu-HU" dirty="0"/>
-              <a:t> melyik osztályban(scriptben) van</a:t>
-            </a:r>
-          </a:p>
-          <a:p>
-            <a:pPr marL="342900" indent="-342900"/>
-            <a:r>
-              <a:rPr lang="hu-HU" dirty="0"/>
-              <a:t>Egyszerűbb kód</a:t>
-            </a:r>
-          </a:p>
-          <a:p>
-            <a:pPr marL="342900" indent="-342900"/>
-            <a:endParaRPr lang="hu-HU" dirty="0"/>
-          </a:p>
-          <a:p>
-            <a:pPr marL="0" indent="0">
-              <a:buNone/>
-            </a:pPr>
-            <a:endParaRPr lang="hu-HU" dirty="0"/>
-          </a:p>
-        </p:txBody>
-      </p:sp>
-      <p:sp>
-        <p:nvSpPr>
-          <p:cNvPr id="2" name="Cím 1"/>
-          <p:cNvSpPr>
-            <a:spLocks noGrp="1"/>
-          </p:cNvSpPr>
-          <p:nvPr>
-            <p:ph type="title"/>
-          </p:nvPr>
-        </p:nvSpPr>
-        <p:spPr/>
-        <p:txBody>
-          <a:bodyPr/>
-          <a:lstStyle/>
-          <a:p>
-            <a:r>
-              <a:rPr lang="hu-HU" dirty="0" err="1"/>
-              <a:t>MainModule</a:t>
-            </a:r>
-            <a:endParaRPr lang="hu-HU" dirty="0"/>
+              <a:t>képességek</a:t>
+            </a:r>
           </a:p>
         </p:txBody>
       </p:sp>
     </p:spTree>
     <p:extLst>
       <p:ext uri="{BB962C8B-B14F-4D97-AF65-F5344CB8AC3E}">
-        <p14:creationId xmlns:p14="http://schemas.microsoft.com/office/powerpoint/2010/main" val="2778715585"/>
+        <p14:creationId xmlns:p14="http://schemas.microsoft.com/office/powerpoint/2010/main" val="3134869399"/>
       </p:ext>
     </p:extLst>
   </p:cSld>
@@ -4943,12 +4923,7 @@
             <p:ph type="title"/>
           </p:nvPr>
         </p:nvSpPr>
-        <p:spPr>
-          <a:xfrm>
-            <a:off x="1060142" y="2770974"/>
-            <a:ext cx="10515600" cy="1325563"/>
-          </a:xfrm>
-        </p:spPr>
+        <p:spPr/>
         <p:txBody>
           <a:bodyPr>
             <a:normAutofit/>
@@ -4956,12 +4931,89 @@
           <a:lstStyle/>
           <a:p>
             <a:r>
-              <a:rPr lang="hu-HU" sz="6600" dirty="0" err="1"/>
-              <a:t>Továbbfejlesztési</a:t>
-            </a:r>
-            <a:r>
               <a:rPr lang="hu-HU" sz="6600" dirty="0"/>
-              <a:t> lehetőségek</a:t>
+              <a:t>Képesség keretrendszer</a:t>
+            </a:r>
+          </a:p>
+        </p:txBody>
+      </p:sp>
+      <p:sp>
+        <p:nvSpPr>
+          <p:cNvPr id="3" name="Tartalom helye 2"/>
+          <p:cNvSpPr>
+            <a:spLocks noGrp="1"/>
+          </p:cNvSpPr>
+          <p:nvPr>
+            <p:ph idx="1"/>
+          </p:nvPr>
+        </p:nvSpPr>
+        <p:spPr/>
+        <p:txBody>
+          <a:bodyPr/>
+          <a:lstStyle/>
+          <a:p>
+            <a:r>
+              <a:rPr lang="hu-HU" dirty="0"/>
+              <a:t>Minden képességet egy absztrakt ősosztályból származtatunk (</a:t>
+            </a:r>
+            <a:r>
+              <a:rPr lang="hu-HU" dirty="0" err="1"/>
+              <a:t>Ability</a:t>
+            </a:r>
+            <a:r>
+              <a:rPr lang="hu-HU" dirty="0"/>
+              <a:t>)</a:t>
+            </a:r>
+          </a:p>
+          <a:p>
+            <a:r>
+              <a:rPr lang="hu-HU" dirty="0"/>
+              <a:t>Az </a:t>
+            </a:r>
+            <a:r>
+              <a:rPr lang="hu-HU" dirty="0" err="1"/>
+              <a:t>Ability</a:t>
+            </a:r>
+            <a:r>
+              <a:rPr lang="hu-HU" dirty="0"/>
+              <a:t> ősosztály kezeli (minden képesség tartalmazza):</a:t>
+            </a:r>
+          </a:p>
+          <a:p>
+            <a:pPr lvl="1"/>
+            <a:r>
+              <a:rPr lang="hu-HU" dirty="0" err="1"/>
+              <a:t>Manaköltség</a:t>
+            </a:r>
+            <a:endParaRPr lang="hu-HU" dirty="0"/>
+          </a:p>
+          <a:p>
+            <a:pPr lvl="1"/>
+            <a:r>
+              <a:rPr lang="hu-HU" dirty="0"/>
+              <a:t>Ikon</a:t>
+            </a:r>
+          </a:p>
+          <a:p>
+            <a:pPr lvl="1"/>
+            <a:r>
+              <a:rPr lang="hu-HU" dirty="0" err="1"/>
+              <a:t>Cooldown</a:t>
+            </a:r>
+            <a:endParaRPr lang="hu-HU" dirty="0"/>
+          </a:p>
+          <a:p>
+            <a:pPr lvl="1"/>
+            <a:r>
+              <a:rPr lang="hu-HU" dirty="0"/>
+              <a:t>Billentyű figyelése</a:t>
+            </a:r>
+          </a:p>
+          <a:p>
+            <a:pPr lvl="1"/>
+            <a:r>
+              <a:rPr lang="hu-HU" dirty="0"/>
+              <a:t>Szintkövetelmény</a:t>
             </a:r>
           </a:p>
         </p:txBody>
@@ -4969,7 +5021,7 @@
     </p:spTree>
     <p:extLst>
       <p:ext uri="{BB962C8B-B14F-4D97-AF65-F5344CB8AC3E}">
-        <p14:creationId xmlns:p14="http://schemas.microsoft.com/office/powerpoint/2010/main" val="2523992394"/>
+        <p14:creationId xmlns:p14="http://schemas.microsoft.com/office/powerpoint/2010/main" val="3230868112"/>
       </p:ext>
     </p:extLst>
   </p:cSld>
@@ -5049,7 +5101,7 @@
           <a:p>
             <a:r>
               <a:rPr lang="hu-HU" sz="6600" dirty="0"/>
-              <a:t>Képesség keretrendszer</a:t>
+              <a:t>Képességek felépítése</a:t>
             </a:r>
           </a:p>
         </p:txBody>
@@ -5071,66 +5123,51 @@
           <a:p>
             <a:r>
               <a:rPr lang="hu-HU" dirty="0"/>
-              <a:t>Minden képességet egy absztrakt ősosztályból származtatunk (</a:t>
+              <a:t>Minden képesség egy </a:t>
             </a:r>
             <a:r>
               <a:rPr lang="hu-HU" dirty="0" err="1"/>
-              <a:t>Ability</a:t>
-            </a:r>
+              <a:t>GameObject</a:t>
+            </a:r>
+            <a:endParaRPr lang="hu-HU" dirty="0"/>
+          </a:p>
+          <a:p>
+            <a:pPr lvl="1"/>
             <a:r>
               <a:rPr lang="hu-HU" dirty="0"/>
-              <a:t>)</a:t>
-            </a:r>
-          </a:p>
-          <a:p>
+              <a:t>Ez valósítja meg a tényleges képesség mechanikát</a:t>
+            </a:r>
+          </a:p>
+          <a:p>
+            <a:r>
+              <a:rPr lang="hu-HU" dirty="0" err="1"/>
+              <a:t>Player</a:t>
+            </a:r>
             <a:r>
               <a:rPr lang="hu-HU" dirty="0"/>
-              <a:t>Az </a:t>
+              <a:t> tartalmaz egy scriptet a képességről, ami az </a:t>
             </a:r>
             <a:r>
               <a:rPr lang="hu-HU" dirty="0" err="1"/>
-              <a:t>Ability</a:t>
+              <a:t>Ability-ből</a:t>
             </a:r>
             <a:r>
               <a:rPr lang="hu-HU" dirty="0"/>
-              <a:t> ősosztály kezeli (minden képesség tartalmazza):</a:t>
-            </a:r>
-          </a:p>
-          <a:p>
-            <a:pPr lvl="1"/>
+              <a:t> van leszármaztatva</a:t>
+            </a:r>
+          </a:p>
+          <a:p>
+            <a:r>
+              <a:rPr lang="hu-HU" dirty="0"/>
+              <a:t>A script tartalmazza a paramétereit a képességnek, és hozza létre a </a:t>
+            </a:r>
             <a:r>
               <a:rPr lang="hu-HU" dirty="0" err="1"/>
-              <a:t>Manaköltség</a:t>
-            </a:r>
-            <a:endParaRPr lang="hu-HU" dirty="0"/>
-          </a:p>
-          <a:p>
-            <a:pPr lvl="1"/>
+              <a:t>GameObject</a:t>
+            </a:r>
             <a:r>
               <a:rPr lang="hu-HU" dirty="0"/>
-              <a:t>Ikon</a:t>
-            </a:r>
-          </a:p>
-          <a:p>
-            <a:pPr lvl="1"/>
-            <a:r>
-              <a:rPr lang="hu-HU" dirty="0" err="1"/>
-              <a:t>Cooldown</a:t>
-            </a:r>
-            <a:endParaRPr lang="hu-HU" dirty="0"/>
-          </a:p>
-          <a:p>
-            <a:pPr lvl="1"/>
-            <a:r>
-              <a:rPr lang="hu-HU" dirty="0"/>
-              <a:t>Billentyű figyelése</a:t>
-            </a:r>
-          </a:p>
-          <a:p>
-            <a:pPr lvl="1"/>
-            <a:r>
-              <a:rPr lang="hu-HU" dirty="0"/>
-              <a:t>Szintkövetelmény</a:t>
+              <a:t>-et aktiváláskor</a:t>
             </a:r>
           </a:p>
         </p:txBody>
@@ -5138,7 +5175,7 @@
     </p:spTree>
     <p:extLst>
       <p:ext uri="{BB962C8B-B14F-4D97-AF65-F5344CB8AC3E}">
-        <p14:creationId xmlns:p14="http://schemas.microsoft.com/office/powerpoint/2010/main" val="3230868112"/>
+        <p14:creationId xmlns:p14="http://schemas.microsoft.com/office/powerpoint/2010/main" val="858125308"/>
       </p:ext>
     </p:extLst>
   </p:cSld>
